--- a/slides/On-Campus/10_03_Arrays.pptx
+++ b/slides/On-Campus/10_03_Arrays.pptx
@@ -22,8 +22,8 @@
     <p:sldId id="273" r:id="rId13"/>
     <p:sldId id="274" r:id="rId14"/>
     <p:sldId id="275" r:id="rId15"/>
-    <p:sldId id="277" r:id="rId16"/>
-    <p:sldId id="276" r:id="rId17"/>
+    <p:sldId id="276" r:id="rId16"/>
+    <p:sldId id="277" r:id="rId17"/>
   </p:sldIdLst>
   <p:sldSz cx="13817600" cy="7772400"/>
   <p:notesSz cx="6858000" cy="9144000"/>
@@ -601,6 +601,37 @@
       </pc:sldMasterChg>
     </pc:docChg>
   </pc:docChgLst>
+  <pc:docChgLst>
+    <pc:chgData name="Moraes,Marcia" userId="c9c67e8a-58e2-4733-9a1c-5d44fec4775b" providerId="ADAL" clId="{97145F3A-442B-467A-B4E2-71818570B6F2}"/>
+    <pc:docChg chg="modSld sldOrd">
+      <pc:chgData name="Moraes,Marcia" userId="c9c67e8a-58e2-4733-9a1c-5d44fec4775b" providerId="ADAL" clId="{97145F3A-442B-467A-B4E2-71818570B6F2}" dt="2023-03-29T01:16:58.204" v="47" actId="20577"/>
+      <pc:docMkLst>
+        <pc:docMk/>
+      </pc:docMkLst>
+      <pc:sldChg chg="ord">
+        <pc:chgData name="Moraes,Marcia" userId="c9c67e8a-58e2-4733-9a1c-5d44fec4775b" providerId="ADAL" clId="{97145F3A-442B-467A-B4E2-71818570B6F2}" dt="2023-03-29T01:16:42.098" v="0"/>
+        <pc:sldMkLst>
+          <pc:docMk/>
+          <pc:sldMk cId="53622056" sldId="276"/>
+        </pc:sldMkLst>
+      </pc:sldChg>
+      <pc:sldChg chg="modSp">
+        <pc:chgData name="Moraes,Marcia" userId="c9c67e8a-58e2-4733-9a1c-5d44fec4775b" providerId="ADAL" clId="{97145F3A-442B-467A-B4E2-71818570B6F2}" dt="2023-03-29T01:16:58.204" v="47" actId="20577"/>
+        <pc:sldMkLst>
+          <pc:docMk/>
+          <pc:sldMk cId="2467373425" sldId="277"/>
+        </pc:sldMkLst>
+        <pc:spChg chg="mod">
+          <ac:chgData name="Moraes,Marcia" userId="c9c67e8a-58e2-4733-9a1c-5d44fec4775b" providerId="ADAL" clId="{97145F3A-442B-467A-B4E2-71818570B6F2}" dt="2023-03-29T01:16:58.204" v="47" actId="20577"/>
+          <ac:spMkLst>
+            <pc:docMk/>
+            <pc:sldMk cId="2467373425" sldId="277"/>
+            <ac:spMk id="6" creationId="{93E16D9F-6A4D-417A-9478-353B6CFB6CA5}"/>
+          </ac:spMkLst>
+        </pc:spChg>
+      </pc:sldChg>
+    </pc:docChg>
+  </pc:docChgLst>
 </pc:chgInfo>
 </file>
 
@@ -8092,119 +8123,6 @@
         </p:nvSpPr>
         <p:spPr>
           <a:xfrm>
-            <a:off x="628075" y="171613"/>
-            <a:ext cx="12561453" cy="1015663"/>
-          </a:xfrm>
-        </p:spPr>
-        <p:txBody>
-          <a:bodyPr/>
-          <a:lstStyle/>
-          <a:p>
-            <a:r>
-              <a:rPr lang="en-US" dirty="0"/>
-              <a:t>Worksheet</a:t>
-            </a:r>
-          </a:p>
-        </p:txBody>
-      </p:sp>
-      <p:sp>
-        <p:nvSpPr>
-          <p:cNvPr id="6" name="Text Placeholder 5">
-            <a:extLst>
-              <a:ext uri="{FF2B5EF4-FFF2-40B4-BE49-F238E27FC236}">
-                <a16:creationId xmlns:a16="http://schemas.microsoft.com/office/drawing/2014/main" id="{93E16D9F-6A4D-417A-9478-353B6CFB6CA5}"/>
-              </a:ext>
-            </a:extLst>
-          </p:cNvPr>
-          <p:cNvSpPr>
-            <a:spLocks noGrp="1"/>
-          </p:cNvSpPr>
-          <p:nvPr>
-            <p:ph type="body" sz="quarter" idx="10"/>
-          </p:nvPr>
-        </p:nvSpPr>
-        <p:spPr>
-          <a:xfrm>
-            <a:off x="628075" y="1521502"/>
-            <a:ext cx="12561453" cy="580223"/>
-          </a:xfrm>
-        </p:spPr>
-        <p:txBody>
-          <a:bodyPr/>
-          <a:lstStyle/>
-          <a:p>
-            <a:r>
-              <a:rPr lang="en-US" sz="2400" dirty="0"/>
-              <a:t>Do the </a:t>
-            </a:r>
-            <a:r>
-              <a:rPr lang="en-US" sz="2400"/>
-              <a:t>arrays worksheet.</a:t>
-            </a:r>
-            <a:endParaRPr lang="en-US" sz="2400" dirty="0"/>
-          </a:p>
-        </p:txBody>
-      </p:sp>
-    </p:spTree>
-    <p:extLst>
-      <p:ext uri="{BB962C8B-B14F-4D97-AF65-F5344CB8AC3E}">
-        <p14:creationId xmlns:p14="http://schemas.microsoft.com/office/powerpoint/2010/main" val="2467373425"/>
-      </p:ext>
-    </p:extLst>
-  </p:cSld>
-  <p:clrMapOvr>
-    <a:masterClrMapping/>
-  </p:clrMapOvr>
-  <mc:AlternateContent xmlns:mc="http://schemas.openxmlformats.org/markup-compatibility/2006" xmlns:p14="http://schemas.microsoft.com/office/powerpoint/2010/main">
-    <mc:Choice Requires="p14">
-      <p:transition p14:dur="300">
-        <p:fade/>
-      </p:transition>
-    </mc:Choice>
-    <mc:Fallback xmlns="">
-      <p:transition>
-        <p:fade/>
-      </p:transition>
-    </mc:Fallback>
-  </mc:AlternateContent>
-</p:sld>
-</file>
-
-<file path=ppt/slides/slide13.xml><?xml version="1.0" encoding="utf-8"?>
-<p:sld xmlns:a="http://schemas.openxmlformats.org/drawingml/2006/main" xmlns:r="http://schemas.openxmlformats.org/officeDocument/2006/relationships" xmlns:p="http://schemas.openxmlformats.org/presentationml/2006/main">
-  <p:cSld>
-    <p:spTree>
-      <p:nvGrpSpPr>
-        <p:cNvPr id="1" name=""/>
-        <p:cNvGrpSpPr/>
-        <p:nvPr/>
-      </p:nvGrpSpPr>
-      <p:grpSpPr>
-        <a:xfrm>
-          <a:off x="0" y="0"/>
-          <a:ext cx="0" cy="0"/>
-          <a:chOff x="0" y="0"/>
-          <a:chExt cx="0" cy="0"/>
-        </a:xfrm>
-      </p:grpSpPr>
-      <p:sp>
-        <p:nvSpPr>
-          <p:cNvPr id="2" name="Title 1">
-            <a:extLst>
-              <a:ext uri="{FF2B5EF4-FFF2-40B4-BE49-F238E27FC236}">
-                <a16:creationId xmlns:a16="http://schemas.microsoft.com/office/drawing/2014/main" id="{694CB510-D139-5046-B5EC-70FAE2EFF086}"/>
-              </a:ext>
-            </a:extLst>
-          </p:cNvPr>
-          <p:cNvSpPr>
-            <a:spLocks noGrp="1"/>
-          </p:cNvSpPr>
-          <p:nvPr>
-            <p:ph type="title"/>
-          </p:nvPr>
-        </p:nvSpPr>
-        <p:spPr>
-          <a:xfrm>
             <a:off x="628073" y="0"/>
             <a:ext cx="12561453" cy="1015663"/>
           </a:xfrm>
@@ -9106,6 +9024,138 @@
       </p:par>
     </p:tnLst>
   </p:timing>
+</p:sld>
+</file>
+
+<file path=ppt/slides/slide13.xml><?xml version="1.0" encoding="utf-8"?>
+<p:sld xmlns:a="http://schemas.openxmlformats.org/drawingml/2006/main" xmlns:r="http://schemas.openxmlformats.org/officeDocument/2006/relationships" xmlns:p="http://schemas.openxmlformats.org/presentationml/2006/main">
+  <p:cSld>
+    <p:spTree>
+      <p:nvGrpSpPr>
+        <p:cNvPr id="1" name=""/>
+        <p:cNvGrpSpPr/>
+        <p:nvPr/>
+      </p:nvGrpSpPr>
+      <p:grpSpPr>
+        <a:xfrm>
+          <a:off x="0" y="0"/>
+          <a:ext cx="0" cy="0"/>
+          <a:chOff x="0" y="0"/>
+          <a:chExt cx="0" cy="0"/>
+        </a:xfrm>
+      </p:grpSpPr>
+      <p:sp>
+        <p:nvSpPr>
+          <p:cNvPr id="2" name="Title 1">
+            <a:extLst>
+              <a:ext uri="{FF2B5EF4-FFF2-40B4-BE49-F238E27FC236}">
+                <a16:creationId xmlns:a16="http://schemas.microsoft.com/office/drawing/2014/main" id="{694CB510-D139-5046-B5EC-70FAE2EFF086}"/>
+              </a:ext>
+            </a:extLst>
+          </p:cNvPr>
+          <p:cNvSpPr>
+            <a:spLocks noGrp="1"/>
+          </p:cNvSpPr>
+          <p:nvPr>
+            <p:ph type="title"/>
+          </p:nvPr>
+        </p:nvSpPr>
+        <p:spPr>
+          <a:xfrm>
+            <a:off x="628075" y="171613"/>
+            <a:ext cx="12561453" cy="1015663"/>
+          </a:xfrm>
+        </p:spPr>
+        <p:txBody>
+          <a:bodyPr/>
+          <a:lstStyle/>
+          <a:p>
+            <a:r>
+              <a:rPr lang="en-US" dirty="0"/>
+              <a:t>Worksheet</a:t>
+            </a:r>
+          </a:p>
+        </p:txBody>
+      </p:sp>
+      <p:sp>
+        <p:nvSpPr>
+          <p:cNvPr id="6" name="Text Placeholder 5">
+            <a:extLst>
+              <a:ext uri="{FF2B5EF4-FFF2-40B4-BE49-F238E27FC236}">
+                <a16:creationId xmlns:a16="http://schemas.microsoft.com/office/drawing/2014/main" id="{93E16D9F-6A4D-417A-9478-353B6CFB6CA5}"/>
+              </a:ext>
+            </a:extLst>
+          </p:cNvPr>
+          <p:cNvSpPr>
+            <a:spLocks noGrp="1"/>
+          </p:cNvSpPr>
+          <p:nvPr>
+            <p:ph type="body" sz="quarter" idx="10"/>
+          </p:nvPr>
+        </p:nvSpPr>
+        <p:spPr>
+          <a:xfrm>
+            <a:off x="628075" y="1521502"/>
+            <a:ext cx="12561453" cy="2217595"/>
+          </a:xfrm>
+        </p:spPr>
+        <p:txBody>
+          <a:bodyPr/>
+          <a:lstStyle/>
+          <a:p>
+            <a:r>
+              <a:rPr lang="en-US" sz="2400" dirty="0"/>
+              <a:t>Do the arrays worksheet.</a:t>
+            </a:r>
+          </a:p>
+          <a:p>
+            <a:endParaRPr lang="en-US" sz="2400" dirty="0"/>
+          </a:p>
+          <a:p>
+            <a:r>
+              <a:rPr lang="en-US" sz="2400" dirty="0"/>
+              <a:t>In class code </a:t>
+            </a:r>
+            <a:r>
+              <a:rPr lang="en-US" sz="2400"/>
+              <a:t>and worksheet code - </a:t>
+            </a:r>
+            <a:r>
+              <a:rPr lang="en-US" sz="2400">
+                <a:hlinkClick r:id="rId2"/>
+              </a:rPr>
+              <a:t>https://github.com/CSU-CompSci-CS163-4/Handouts/tree/main/ClassExamples/10Arrays</a:t>
+            </a:r>
+            <a:r>
+              <a:rPr lang="en-US" sz="2400"/>
+              <a:t> </a:t>
+            </a:r>
+            <a:endParaRPr lang="en-US" sz="2400" dirty="0"/>
+          </a:p>
+        </p:txBody>
+      </p:sp>
+    </p:spTree>
+    <p:extLst>
+      <p:ext uri="{BB962C8B-B14F-4D97-AF65-F5344CB8AC3E}">
+        <p14:creationId xmlns:p14="http://schemas.microsoft.com/office/powerpoint/2010/main" val="2467373425"/>
+      </p:ext>
+    </p:extLst>
+  </p:cSld>
+  <p:clrMapOvr>
+    <a:masterClrMapping/>
+  </p:clrMapOvr>
+  <mc:AlternateContent xmlns:mc="http://schemas.openxmlformats.org/markup-compatibility/2006" xmlns:p14="http://schemas.microsoft.com/office/powerpoint/2010/main">
+    <mc:Choice Requires="p14">
+      <p:transition p14:dur="300">
+        <p:fade/>
+      </p:transition>
+    </mc:Choice>
+    <mc:Fallback xmlns="">
+      <p:transition>
+        <p:fade/>
+      </p:transition>
+    </mc:Fallback>
+  </mc:AlternateContent>
 </p:sld>
 </file>
 
@@ -15227,6 +15277,23 @@
 </file>
 
 <file path=customXml/item1.xml><?xml version="1.0" encoding="utf-8"?>
+<p:properties xmlns:p="http://schemas.microsoft.com/office/2006/metadata/properties" xmlns:xsi="http://www.w3.org/2001/XMLSchema-instance" xmlns:pc="http://schemas.microsoft.com/office/infopath/2007/PartnerControls">
+  <documentManagement>
+    <_activity xmlns="92c41bee-f0ee-4aa6-9399-a35fbb883510" xsi:nil="true"/>
+  </documentManagement>
+</p:properties>
+</file>
+
+<file path=customXml/item2.xml><?xml version="1.0" encoding="utf-8"?>
+<?mso-contentType ?>
+<FormTemplates xmlns="http://schemas.microsoft.com/sharepoint/v3/contenttype/forms">
+  <Display>DocumentLibraryForm</Display>
+  <Edit>DocumentLibraryForm</Edit>
+  <New>DocumentLibraryForm</New>
+</FormTemplates>
+</file>
+
+<file path=customXml/item3.xml><?xml version="1.0" encoding="utf-8"?>
 <ct:contentTypeSchema xmlns:ct="http://schemas.microsoft.com/office/2006/metadata/contentType" xmlns:ma="http://schemas.microsoft.com/office/2006/metadata/properties/metaAttributes" ct:_="" ma:_="" ma:contentTypeName="Document" ma:contentTypeID="0x010100074387D78AC76C4289401EF66FB51FCC" ma:contentTypeVersion="15" ma:contentTypeDescription="Create a new document." ma:contentTypeScope="" ma:versionID="d3659bec8b8330148a03d82a9d99f412">
   <xsd:schema xmlns:xsd="http://www.w3.org/2001/XMLSchema" xmlns:xs="http://www.w3.org/2001/XMLSchema" xmlns:p="http://schemas.microsoft.com/office/2006/metadata/properties" xmlns:ns3="92c41bee-f0ee-4aa6-9399-a35fbb883510" xmlns:ns4="e06ed288-fd75-4b50-bbed-f5a5df88c31c" targetNamespace="http://schemas.microsoft.com/office/2006/metadata/properties" ma:root="true" ma:fieldsID="1a21d371127b63848c9a2290f5945250" ns3:_="" ns4:_="">
     <xsd:import namespace="92c41bee-f0ee-4aa6-9399-a35fbb883510"/>
@@ -15461,24 +15528,32 @@
 </ct:contentTypeSchema>
 </file>
 
-<file path=customXml/item2.xml><?xml version="1.0" encoding="utf-8"?>
-<?mso-contentType ?>
-<FormTemplates xmlns="http://schemas.microsoft.com/sharepoint/v3/contenttype/forms">
-  <Display>DocumentLibraryForm</Display>
-  <Edit>DocumentLibraryForm</Edit>
-  <New>DocumentLibraryForm</New>
-</FormTemplates>
+<file path=customXml/itemProps1.xml><?xml version="1.0" encoding="utf-8"?>
+<ds:datastoreItem xmlns:ds="http://schemas.openxmlformats.org/officeDocument/2006/customXml" ds:itemID="{D8AC291D-993A-4A3D-A5B6-D3FDA2A7A5A6}">
+  <ds:schemaRefs>
+    <ds:schemaRef ds:uri="http://purl.org/dc/elements/1.1/"/>
+    <ds:schemaRef ds:uri="http://schemas.microsoft.com/office/infopath/2007/PartnerControls"/>
+    <ds:schemaRef ds:uri="http://schemas.microsoft.com/office/2006/documentManagement/types"/>
+    <ds:schemaRef ds:uri="http://schemas.microsoft.com/office/2006/metadata/properties"/>
+    <ds:schemaRef ds:uri="http://schemas.openxmlformats.org/package/2006/metadata/core-properties"/>
+    <ds:schemaRef ds:uri="http://purl.org/dc/terms/"/>
+    <ds:schemaRef ds:uri="http://www.w3.org/XML/1998/namespace"/>
+    <ds:schemaRef ds:uri="e06ed288-fd75-4b50-bbed-f5a5df88c31c"/>
+    <ds:schemaRef ds:uri="92c41bee-f0ee-4aa6-9399-a35fbb883510"/>
+    <ds:schemaRef ds:uri="http://purl.org/dc/dcmitype/"/>
+  </ds:schemaRefs>
+</ds:datastoreItem>
 </file>
 
-<file path=customXml/item3.xml><?xml version="1.0" encoding="utf-8"?>
-<p:properties xmlns:p="http://schemas.microsoft.com/office/2006/metadata/properties" xmlns:xsi="http://www.w3.org/2001/XMLSchema-instance" xmlns:pc="http://schemas.microsoft.com/office/infopath/2007/PartnerControls">
-  <documentManagement>
-    <_activity xmlns="92c41bee-f0ee-4aa6-9399-a35fbb883510" xsi:nil="true"/>
-  </documentManagement>
-</p:properties>
+<file path=customXml/itemProps2.xml><?xml version="1.0" encoding="utf-8"?>
+<ds:datastoreItem xmlns:ds="http://schemas.openxmlformats.org/officeDocument/2006/customXml" ds:itemID="{5381E752-3417-4C64-BDA9-89478EE6A1E8}">
+  <ds:schemaRefs>
+    <ds:schemaRef ds:uri="http://schemas.microsoft.com/sharepoint/v3/contenttype/forms"/>
+  </ds:schemaRefs>
+</ds:datastoreItem>
 </file>
 
-<file path=customXml/itemProps1.xml><?xml version="1.0" encoding="utf-8"?>
+<file path=customXml/itemProps3.xml><?xml version="1.0" encoding="utf-8"?>
 <ds:datastoreItem xmlns:ds="http://schemas.openxmlformats.org/officeDocument/2006/customXml" ds:itemID="{D2FF9F9C-9B01-4142-BBE5-544BB3636D6E}">
   <ds:schemaRefs>
     <ds:schemaRef ds:uri="http://schemas.microsoft.com/office/2006/metadata/contentType"/>
@@ -15495,29 +15570,4 @@
     <ds:schemaRef ds:uri="http://schemas.microsoft.com/internal/obd"/>
   </ds:schemaRefs>
 </ds:datastoreItem>
-</file>
-
-<file path=customXml/itemProps2.xml><?xml version="1.0" encoding="utf-8"?>
-<ds:datastoreItem xmlns:ds="http://schemas.openxmlformats.org/officeDocument/2006/customXml" ds:itemID="{5381E752-3417-4C64-BDA9-89478EE6A1E8}">
-  <ds:schemaRefs>
-    <ds:schemaRef ds:uri="http://schemas.microsoft.com/sharepoint/v3/contenttype/forms"/>
-  </ds:schemaRefs>
-</ds:datastoreItem>
-</file>
-
-<file path=customXml/itemProps3.xml><?xml version="1.0" encoding="utf-8"?>
-<ds:datastoreItem xmlns:ds="http://schemas.openxmlformats.org/officeDocument/2006/customXml" ds:itemID="{D8AC291D-993A-4A3D-A5B6-D3FDA2A7A5A6}">
-  <ds:schemaRefs>
-    <ds:schemaRef ds:uri="http://purl.org/dc/dcmitype/"/>
-    <ds:schemaRef ds:uri="http://schemas.openxmlformats.org/package/2006/metadata/core-properties"/>
-    <ds:schemaRef ds:uri="http://schemas.microsoft.com/office/2006/metadata/properties"/>
-    <ds:schemaRef ds:uri="92c41bee-f0ee-4aa6-9399-a35fbb883510"/>
-    <ds:schemaRef ds:uri="http://purl.org/dc/terms/"/>
-    <ds:schemaRef ds:uri="http://schemas.microsoft.com/office/2006/documentManagement/types"/>
-    <ds:schemaRef ds:uri="http://schemas.microsoft.com/office/infopath/2007/PartnerControls"/>
-    <ds:schemaRef ds:uri="e06ed288-fd75-4b50-bbed-f5a5df88c31c"/>
-    <ds:schemaRef ds:uri="http://www.w3.org/XML/1998/namespace"/>
-    <ds:schemaRef ds:uri="http://purl.org/dc/elements/1.1/"/>
-  </ds:schemaRefs>
-</ds:datastoreItem>
 </file>
--- a/slides/On-Campus/10_03_Arrays.pptx
+++ b/slides/On-Campus/10_03_Arrays.pptx
@@ -147,490 +147,53 @@
 <file path=ppt/changesInfos/changesInfo1.xml><?xml version="1.0" encoding="utf-8"?>
 <pc:chgInfo xmlns:a="http://schemas.openxmlformats.org/drawingml/2006/main" xmlns:r="http://schemas.openxmlformats.org/officeDocument/2006/relationships" xmlns:ac="http://schemas.microsoft.com/office/drawing/2013/main/command" xmlns:pc="http://schemas.microsoft.com/office/powerpoint/2013/main/command">
   <pc:docChgLst>
-    <pc:chgData name="Marcia Moraes" userId="c9c67e8a-58e2-4733-9a1c-5d44fec4775b" providerId="ADAL" clId="{737BC473-D2BC-42F5-9433-E3DD58752011}"/>
-    <pc:docChg chg="undo custSel addSld modSld modMainMaster">
-      <pc:chgData name="Marcia Moraes" userId="c9c67e8a-58e2-4733-9a1c-5d44fec4775b" providerId="ADAL" clId="{737BC473-D2BC-42F5-9433-E3DD58752011}" dt="2023-03-28T20:04:12.019" v="614" actId="20577"/>
+    <pc:chgData name="Marcia Moraes" userId="c9c67e8a-58e2-4733-9a1c-5d44fec4775b" providerId="ADAL" clId="{9DDF3BC5-825B-4573-8A2B-98B3CDF3F058}"/>
+    <pc:docChg chg="custSel modSld">
+      <pc:chgData name="Marcia Moraes" userId="c9c67e8a-58e2-4733-9a1c-5d44fec4775b" providerId="ADAL" clId="{9DDF3BC5-825B-4573-8A2B-98B3CDF3F058}" dt="2023-10-24T21:28:01.595" v="1"/>
       <pc:docMkLst>
         <pc:docMk/>
       </pc:docMkLst>
-      <pc:sldChg chg="modSp">
-        <pc:chgData name="Marcia Moraes" userId="c9c67e8a-58e2-4733-9a1c-5d44fec4775b" providerId="ADAL" clId="{737BC473-D2BC-42F5-9433-E3DD58752011}" dt="2023-03-28T19:27:03.821" v="237" actId="1076"/>
-        <pc:sldMkLst>
-          <pc:docMk/>
-          <pc:sldMk cId="3474445937" sldId="257"/>
-        </pc:sldMkLst>
-        <pc:spChg chg="mod">
-          <ac:chgData name="Marcia Moraes" userId="c9c67e8a-58e2-4733-9a1c-5d44fec4775b" providerId="ADAL" clId="{737BC473-D2BC-42F5-9433-E3DD58752011}" dt="2023-03-28T19:17:44" v="120" actId="1076"/>
-          <ac:spMkLst>
-            <pc:docMk/>
-            <pc:sldMk cId="3474445937" sldId="257"/>
-            <ac:spMk id="4" creationId="{A439D3A7-6274-BE4D-B5CA-81DC107EF7CD}"/>
-          </ac:spMkLst>
-        </pc:spChg>
-        <pc:spChg chg="mod">
-          <ac:chgData name="Marcia Moraes" userId="c9c67e8a-58e2-4733-9a1c-5d44fec4775b" providerId="ADAL" clId="{737BC473-D2BC-42F5-9433-E3DD58752011}" dt="2023-03-28T19:27:03.821" v="237" actId="1076"/>
-          <ac:spMkLst>
-            <pc:docMk/>
-            <pc:sldMk cId="3474445937" sldId="257"/>
-            <ac:spMk id="5" creationId="{C7059987-5A5C-9B4E-BE38-2DD2B4DFF7B6}"/>
-          </ac:spMkLst>
-        </pc:spChg>
-      </pc:sldChg>
-      <pc:sldChg chg="modSp">
-        <pc:chgData name="Marcia Moraes" userId="c9c67e8a-58e2-4733-9a1c-5d44fec4775b" providerId="ADAL" clId="{737BC473-D2BC-42F5-9433-E3DD58752011}" dt="2023-03-28T19:27:30.573" v="238" actId="14100"/>
-        <pc:sldMkLst>
-          <pc:docMk/>
-          <pc:sldMk cId="18398231" sldId="258"/>
-        </pc:sldMkLst>
-        <pc:spChg chg="mod">
-          <ac:chgData name="Marcia Moraes" userId="c9c67e8a-58e2-4733-9a1c-5d44fec4775b" providerId="ADAL" clId="{737BC473-D2BC-42F5-9433-E3DD58752011}" dt="2023-03-28T19:27:30.573" v="238" actId="14100"/>
-          <ac:spMkLst>
-            <pc:docMk/>
-            <pc:sldMk cId="18398231" sldId="258"/>
-            <ac:spMk id="3" creationId="{76E239E0-84C5-2C4A-A458-70BDFE0C923B}"/>
-          </ac:spMkLst>
-        </pc:spChg>
-      </pc:sldChg>
-      <pc:sldChg chg="modSp">
-        <pc:chgData name="Marcia Moraes" userId="c9c67e8a-58e2-4733-9a1c-5d44fec4775b" providerId="ADAL" clId="{737BC473-D2BC-42F5-9433-E3DD58752011}" dt="2023-03-28T19:27:41.278" v="239" actId="255"/>
-        <pc:sldMkLst>
-          <pc:docMk/>
-          <pc:sldMk cId="1788657895" sldId="259"/>
-        </pc:sldMkLst>
-        <pc:spChg chg="mod">
-          <ac:chgData name="Marcia Moraes" userId="c9c67e8a-58e2-4733-9a1c-5d44fec4775b" providerId="ADAL" clId="{737BC473-D2BC-42F5-9433-E3DD58752011}" dt="2023-03-28T19:27:41.278" v="239" actId="255"/>
-          <ac:spMkLst>
-            <pc:docMk/>
-            <pc:sldMk cId="1788657895" sldId="259"/>
-            <ac:spMk id="3" creationId="{A0C662EC-C50E-564E-9457-D8D872B0CA6A}"/>
-          </ac:spMkLst>
-        </pc:spChg>
-      </pc:sldChg>
-      <pc:sldChg chg="modSp">
-        <pc:chgData name="Marcia Moraes" userId="c9c67e8a-58e2-4733-9a1c-5d44fec4775b" providerId="ADAL" clId="{737BC473-D2BC-42F5-9433-E3DD58752011}" dt="2023-03-28T19:27:59.484" v="240" actId="1076"/>
-        <pc:sldMkLst>
-          <pc:docMk/>
-          <pc:sldMk cId="180331623" sldId="260"/>
-        </pc:sldMkLst>
-        <pc:spChg chg="mod">
-          <ac:chgData name="Marcia Moraes" userId="c9c67e8a-58e2-4733-9a1c-5d44fec4775b" providerId="ADAL" clId="{737BC473-D2BC-42F5-9433-E3DD58752011}" dt="2023-03-28T19:27:59.484" v="240" actId="1076"/>
-          <ac:spMkLst>
-            <pc:docMk/>
-            <pc:sldMk cId="180331623" sldId="260"/>
-            <ac:spMk id="2" creationId="{75AFB74F-9B4B-4649-87BD-5E7AC6E23CDE}"/>
-          </ac:spMkLst>
-        </pc:spChg>
-        <pc:spChg chg="mod">
-          <ac:chgData name="Marcia Moraes" userId="c9c67e8a-58e2-4733-9a1c-5d44fec4775b" providerId="ADAL" clId="{737BC473-D2BC-42F5-9433-E3DD58752011}" dt="2023-03-28T19:20:09.060" v="213" actId="5793"/>
-          <ac:spMkLst>
-            <pc:docMk/>
-            <pc:sldMk cId="180331623" sldId="260"/>
-            <ac:spMk id="3" creationId="{EA79BE83-F5FE-3249-9624-4B4F5CECA95D}"/>
-          </ac:spMkLst>
-        </pc:spChg>
-        <pc:spChg chg="mod">
-          <ac:chgData name="Marcia Moraes" userId="c9c67e8a-58e2-4733-9a1c-5d44fec4775b" providerId="ADAL" clId="{737BC473-D2BC-42F5-9433-E3DD58752011}" dt="2023-03-28T19:19:47.566" v="207" actId="14100"/>
-          <ac:spMkLst>
-            <pc:docMk/>
-            <pc:sldMk cId="180331623" sldId="260"/>
-            <ac:spMk id="5" creationId="{44D3BF7E-A38F-794F-9020-7B0D3103DCE6}"/>
-          </ac:spMkLst>
-        </pc:spChg>
-      </pc:sldChg>
-      <pc:sldChg chg="modSp">
-        <pc:chgData name="Marcia Moraes" userId="c9c67e8a-58e2-4733-9a1c-5d44fec4775b" providerId="ADAL" clId="{737BC473-D2BC-42F5-9433-E3DD58752011}" dt="2023-03-28T19:21:41.341" v="229" actId="255"/>
-        <pc:sldMkLst>
-          <pc:docMk/>
-          <pc:sldMk cId="2743286021" sldId="261"/>
-        </pc:sldMkLst>
-        <pc:spChg chg="mod">
-          <ac:chgData name="Marcia Moraes" userId="c9c67e8a-58e2-4733-9a1c-5d44fec4775b" providerId="ADAL" clId="{737BC473-D2BC-42F5-9433-E3DD58752011}" dt="2023-03-28T19:21:02.044" v="218" actId="1076"/>
-          <ac:spMkLst>
-            <pc:docMk/>
-            <pc:sldMk cId="2743286021" sldId="261"/>
-            <ac:spMk id="2" creationId="{792379DF-78F3-EF44-9083-C1069C8C0AE4}"/>
-          </ac:spMkLst>
-        </pc:spChg>
-        <pc:spChg chg="mod">
-          <ac:chgData name="Marcia Moraes" userId="c9c67e8a-58e2-4733-9a1c-5d44fec4775b" providerId="ADAL" clId="{737BC473-D2BC-42F5-9433-E3DD58752011}" dt="2023-03-28T19:21:41.341" v="229" actId="255"/>
-          <ac:spMkLst>
-            <pc:docMk/>
-            <pc:sldMk cId="2743286021" sldId="261"/>
-            <ac:spMk id="3" creationId="{0D843410-7036-9645-BD8D-3792989CBBF7}"/>
-          </ac:spMkLst>
-        </pc:spChg>
-        <pc:spChg chg="mod">
-          <ac:chgData name="Marcia Moraes" userId="c9c67e8a-58e2-4733-9a1c-5d44fec4775b" providerId="ADAL" clId="{737BC473-D2BC-42F5-9433-E3DD58752011}" dt="2023-03-28T19:21:17.174" v="222" actId="14100"/>
-          <ac:spMkLst>
-            <pc:docMk/>
-            <pc:sldMk cId="2743286021" sldId="261"/>
-            <ac:spMk id="4" creationId="{4449CBB4-46D8-C442-9B5D-47ACD9D74EB3}"/>
-          </ac:spMkLst>
-        </pc:spChg>
-      </pc:sldChg>
-      <pc:sldChg chg="addSp modSp modAnim">
-        <pc:chgData name="Marcia Moraes" userId="c9c67e8a-58e2-4733-9a1c-5d44fec4775b" providerId="ADAL" clId="{737BC473-D2BC-42F5-9433-E3DD58752011}" dt="2023-03-28T19:44:31.126" v="319" actId="255"/>
-        <pc:sldMkLst>
-          <pc:docMk/>
-          <pc:sldMk cId="2957129568" sldId="262"/>
-        </pc:sldMkLst>
-        <pc:spChg chg="mod">
-          <ac:chgData name="Marcia Moraes" userId="c9c67e8a-58e2-4733-9a1c-5d44fec4775b" providerId="ADAL" clId="{737BC473-D2BC-42F5-9433-E3DD58752011}" dt="2023-03-28T19:32:33.412" v="241" actId="1076"/>
-          <ac:spMkLst>
-            <pc:docMk/>
-            <pc:sldMk cId="2957129568" sldId="262"/>
-            <ac:spMk id="2" creationId="{694CB510-D139-5046-B5EC-70FAE2EFF086}"/>
-          </ac:spMkLst>
-        </pc:spChg>
-        <pc:spChg chg="mod">
-          <ac:chgData name="Marcia Moraes" userId="c9c67e8a-58e2-4733-9a1c-5d44fec4775b" providerId="ADAL" clId="{737BC473-D2BC-42F5-9433-E3DD58752011}" dt="2023-03-28T19:44:19.088" v="317" actId="1076"/>
-          <ac:spMkLst>
-            <pc:docMk/>
-            <pc:sldMk cId="2957129568" sldId="262"/>
-            <ac:spMk id="3" creationId="{97B44B72-8968-FA4B-AB36-2B044F476A0D}"/>
-          </ac:spMkLst>
-        </pc:spChg>
-        <pc:spChg chg="mod">
-          <ac:chgData name="Marcia Moraes" userId="c9c67e8a-58e2-4733-9a1c-5d44fec4775b" providerId="ADAL" clId="{737BC473-D2BC-42F5-9433-E3DD58752011}" dt="2023-03-28T19:44:31.126" v="319" actId="255"/>
-          <ac:spMkLst>
-            <pc:docMk/>
-            <pc:sldMk cId="2957129568" sldId="262"/>
-            <ac:spMk id="4" creationId="{84F74DEE-695F-C44C-B7C5-11F5622314F1}"/>
-          </ac:spMkLst>
-        </pc:spChg>
-        <pc:picChg chg="add mod">
-          <ac:chgData name="Marcia Moraes" userId="c9c67e8a-58e2-4733-9a1c-5d44fec4775b" providerId="ADAL" clId="{737BC473-D2BC-42F5-9433-E3DD58752011}" dt="2023-03-28T19:38:13.620" v="272" actId="1076"/>
-          <ac:picMkLst>
-            <pc:docMk/>
-            <pc:sldMk cId="2957129568" sldId="262"/>
-            <ac:picMk id="5" creationId="{168D2041-A763-49DD-A648-0ECC0D5BEDFD}"/>
-          </ac:picMkLst>
-        </pc:picChg>
-      </pc:sldChg>
-      <pc:sldChg chg="addSp delSp modSp add">
-        <pc:chgData name="Marcia Moraes" userId="c9c67e8a-58e2-4733-9a1c-5d44fec4775b" providerId="ADAL" clId="{737BC473-D2BC-42F5-9433-E3DD58752011}" dt="2023-03-28T17:13:35.871" v="11"/>
+      <pc:sldChg chg="addSp delSp">
+        <pc:chgData name="Marcia Moraes" userId="c9c67e8a-58e2-4733-9a1c-5d44fec4775b" providerId="ADAL" clId="{9DDF3BC5-825B-4573-8A2B-98B3CDF3F058}" dt="2023-10-24T21:28:01.595" v="1"/>
         <pc:sldMkLst>
           <pc:docMk/>
           <pc:sldMk cId="2571368551" sldId="272"/>
         </pc:sldMkLst>
-        <pc:spChg chg="mod">
-          <ac:chgData name="Marcia Moraes" userId="c9c67e8a-58e2-4733-9a1c-5d44fec4775b" providerId="ADAL" clId="{737BC473-D2BC-42F5-9433-E3DD58752011}" dt="2023-03-28T17:12:53.324" v="10" actId="1076"/>
-          <ac:spMkLst>
-            <pc:docMk/>
-            <pc:sldMk cId="2571368551" sldId="272"/>
-            <ac:spMk id="2" creationId="{84CD52E7-9878-46B0-B322-12FDC9581986}"/>
-          </ac:spMkLst>
-        </pc:spChg>
-        <pc:spChg chg="mod">
-          <ac:chgData name="Marcia Moraes" userId="c9c67e8a-58e2-4733-9a1c-5d44fec4775b" providerId="ADAL" clId="{737BC473-D2BC-42F5-9433-E3DD58752011}" dt="2023-03-28T17:13:35.871" v="11"/>
+        <pc:spChg chg="del">
+          <ac:chgData name="Marcia Moraes" userId="c9c67e8a-58e2-4733-9a1c-5d44fec4775b" providerId="ADAL" clId="{9DDF3BC5-825B-4573-8A2B-98B3CDF3F058}" dt="2023-10-24T21:27:22.441" v="0" actId="478"/>
           <ac:spMkLst>
             <pc:docMk/>
             <pc:sldMk cId="2571368551" sldId="272"/>
             <ac:spMk id="5" creationId="{1E54CBCD-3447-4F03-970A-F1628F46BEF2}"/>
           </ac:spMkLst>
         </pc:spChg>
-        <pc:spChg chg="mod">
-          <ac:chgData name="Marcia Moraes" userId="c9c67e8a-58e2-4733-9a1c-5d44fec4775b" providerId="ADAL" clId="{737BC473-D2BC-42F5-9433-E3DD58752011}" dt="2023-03-28T17:11:27.168" v="1"/>
+        <pc:spChg chg="add">
+          <ac:chgData name="Marcia Moraes" userId="c9c67e8a-58e2-4733-9a1c-5d44fec4775b" providerId="ADAL" clId="{9DDF3BC5-825B-4573-8A2B-98B3CDF3F058}" dt="2023-10-24T21:28:01.595" v="1"/>
           <ac:spMkLst>
             <pc:docMk/>
             <pc:sldMk cId="2571368551" sldId="272"/>
-            <ac:spMk id="11" creationId="{BDA0DBC1-29A7-4498-B9AA-9B174D0FEC3E}"/>
+            <ac:spMk id="7" creationId="{A2BB02FD-7468-4CA7-AE15-5E2FC69A2A00}"/>
           </ac:spMkLst>
         </pc:spChg>
-        <pc:picChg chg="add mod">
-          <ac:chgData name="Marcia Moraes" userId="c9c67e8a-58e2-4733-9a1c-5d44fec4775b" providerId="ADAL" clId="{737BC473-D2BC-42F5-9433-E3DD58752011}" dt="2023-03-28T17:12:28.069" v="7" actId="1076"/>
-          <ac:picMkLst>
+        <pc:graphicFrameChg chg="add">
+          <ac:chgData name="Marcia Moraes" userId="c9c67e8a-58e2-4733-9a1c-5d44fec4775b" providerId="ADAL" clId="{9DDF3BC5-825B-4573-8A2B-98B3CDF3F058}" dt="2023-10-24T21:28:01.595" v="1"/>
+          <ac:graphicFrameMkLst>
             <pc:docMk/>
             <pc:sldMk cId="2571368551" sldId="272"/>
-            <ac:picMk id="3" creationId="{CB3DA3AF-4D1E-4814-BD04-D6B474039A01}"/>
-          </ac:picMkLst>
-        </pc:picChg>
-        <pc:picChg chg="del mod">
-          <ac:chgData name="Marcia Moraes" userId="c9c67e8a-58e2-4733-9a1c-5d44fec4775b" providerId="ADAL" clId="{737BC473-D2BC-42F5-9433-E3DD58752011}" dt="2023-03-28T17:12:18.172" v="3" actId="478"/>
-          <ac:picMkLst>
-            <pc:docMk/>
-            <pc:sldMk cId="2571368551" sldId="272"/>
-            <ac:picMk id="1026" creationId="{76F90ADF-7BC1-487D-A39C-C9BE9DA546D3}"/>
-          </ac:picMkLst>
-        </pc:picChg>
+            <ac:graphicFrameMk id="8" creationId="{C00265BD-7880-45A3-868B-AEC7ECB9AB5E}"/>
+          </ac:graphicFrameMkLst>
+        </pc:graphicFrameChg>
       </pc:sldChg>
-      <pc:sldChg chg="addSp delSp modSp add delAnim modAnim">
-        <pc:chgData name="Marcia Moraes" userId="c9c67e8a-58e2-4733-9a1c-5d44fec4775b" providerId="ADAL" clId="{737BC473-D2BC-42F5-9433-E3DD58752011}" dt="2023-03-28T19:45:39.088" v="330"/>
-        <pc:sldMkLst>
-          <pc:docMk/>
-          <pc:sldMk cId="438973108" sldId="273"/>
-        </pc:sldMkLst>
-        <pc:spChg chg="mod">
-          <ac:chgData name="Marcia Moraes" userId="c9c67e8a-58e2-4733-9a1c-5d44fec4775b" providerId="ADAL" clId="{737BC473-D2BC-42F5-9433-E3DD58752011}" dt="2023-03-28T19:45:17.004" v="326" actId="1076"/>
-          <ac:spMkLst>
-            <pc:docMk/>
-            <pc:sldMk cId="438973108" sldId="273"/>
-            <ac:spMk id="3" creationId="{97B44B72-8968-FA4B-AB36-2B044F476A0D}"/>
-          </ac:spMkLst>
-        </pc:spChg>
-        <pc:spChg chg="mod">
-          <ac:chgData name="Marcia Moraes" userId="c9c67e8a-58e2-4733-9a1c-5d44fec4775b" providerId="ADAL" clId="{737BC473-D2BC-42F5-9433-E3DD58752011}" dt="2023-03-28T19:44:38.075" v="320" actId="255"/>
-          <ac:spMkLst>
-            <pc:docMk/>
-            <pc:sldMk cId="438973108" sldId="273"/>
-            <ac:spMk id="4" creationId="{84F74DEE-695F-C44C-B7C5-11F5622314F1}"/>
-          </ac:spMkLst>
-        </pc:spChg>
-        <pc:spChg chg="add del">
-          <ac:chgData name="Marcia Moraes" userId="c9c67e8a-58e2-4733-9a1c-5d44fec4775b" providerId="ADAL" clId="{737BC473-D2BC-42F5-9433-E3DD58752011}" dt="2023-03-28T19:43:30.371" v="276"/>
-          <ac:spMkLst>
-            <pc:docMk/>
-            <pc:sldMk cId="438973108" sldId="273"/>
-            <ac:spMk id="6" creationId="{02540016-D79A-4D8A-8F6B-3AB1E38B5AE9}"/>
-          </ac:spMkLst>
-        </pc:spChg>
-        <pc:picChg chg="del">
-          <ac:chgData name="Marcia Moraes" userId="c9c67e8a-58e2-4733-9a1c-5d44fec4775b" providerId="ADAL" clId="{737BC473-D2BC-42F5-9433-E3DD58752011}" dt="2023-03-28T19:43:57.727" v="304" actId="478"/>
-          <ac:picMkLst>
-            <pc:docMk/>
-            <pc:sldMk cId="438973108" sldId="273"/>
-            <ac:picMk id="5" creationId="{168D2041-A763-49DD-A648-0ECC0D5BEDFD}"/>
-          </ac:picMkLst>
-        </pc:picChg>
-        <pc:picChg chg="add mod">
-          <ac:chgData name="Marcia Moraes" userId="c9c67e8a-58e2-4733-9a1c-5d44fec4775b" providerId="ADAL" clId="{737BC473-D2BC-42F5-9433-E3DD58752011}" dt="2023-03-28T19:45:28.538" v="329" actId="1076"/>
-          <ac:picMkLst>
-            <pc:docMk/>
-            <pc:sldMk cId="438973108" sldId="273"/>
-            <ac:picMk id="7" creationId="{A522F15C-91B9-41A0-8352-A5CA14914723}"/>
-          </ac:picMkLst>
-        </pc:picChg>
-      </pc:sldChg>
-      <pc:sldChg chg="addSp delSp modSp add delAnim">
-        <pc:chgData name="Marcia Moraes" userId="c9c67e8a-58e2-4733-9a1c-5d44fec4775b" providerId="ADAL" clId="{737BC473-D2BC-42F5-9433-E3DD58752011}" dt="2023-03-28T19:47:45.637" v="371" actId="1076"/>
-        <pc:sldMkLst>
-          <pc:docMk/>
-          <pc:sldMk cId="397208923" sldId="274"/>
-        </pc:sldMkLst>
-        <pc:spChg chg="mod">
-          <ac:chgData name="Marcia Moraes" userId="c9c67e8a-58e2-4733-9a1c-5d44fec4775b" providerId="ADAL" clId="{737BC473-D2BC-42F5-9433-E3DD58752011}" dt="2023-03-28T19:46:31.381" v="360" actId="20577"/>
-          <ac:spMkLst>
-            <pc:docMk/>
-            <pc:sldMk cId="397208923" sldId="274"/>
-            <ac:spMk id="2" creationId="{694CB510-D139-5046-B5EC-70FAE2EFF086}"/>
-          </ac:spMkLst>
-        </pc:spChg>
-        <pc:spChg chg="del">
-          <ac:chgData name="Marcia Moraes" userId="c9c67e8a-58e2-4733-9a1c-5d44fec4775b" providerId="ADAL" clId="{737BC473-D2BC-42F5-9433-E3DD58752011}" dt="2023-03-28T19:46:28.306" v="358" actId="478"/>
-          <ac:spMkLst>
-            <pc:docMk/>
-            <pc:sldMk cId="397208923" sldId="274"/>
-            <ac:spMk id="3" creationId="{97B44B72-8968-FA4B-AB36-2B044F476A0D}"/>
-          </ac:spMkLst>
-        </pc:spChg>
-        <pc:spChg chg="del">
-          <ac:chgData name="Marcia Moraes" userId="c9c67e8a-58e2-4733-9a1c-5d44fec4775b" providerId="ADAL" clId="{737BC473-D2BC-42F5-9433-E3DD58752011}" dt="2023-03-28T19:46:34.292" v="361" actId="478"/>
-          <ac:spMkLst>
-            <pc:docMk/>
-            <pc:sldMk cId="397208923" sldId="274"/>
-            <ac:spMk id="4" creationId="{84F74DEE-695F-C44C-B7C5-11F5622314F1}"/>
-          </ac:spMkLst>
-        </pc:spChg>
-        <pc:spChg chg="add mod">
-          <ac:chgData name="Marcia Moraes" userId="c9c67e8a-58e2-4733-9a1c-5d44fec4775b" providerId="ADAL" clId="{737BC473-D2BC-42F5-9433-E3DD58752011}" dt="2023-03-28T19:47:44.325" v="370" actId="1076"/>
-          <ac:spMkLst>
-            <pc:docMk/>
-            <pc:sldMk cId="397208923" sldId="274"/>
-            <ac:spMk id="6" creationId="{93E16D9F-6A4D-417A-9478-353B6CFB6CA5}"/>
-          </ac:spMkLst>
-        </pc:spChg>
-        <pc:picChg chg="del">
-          <ac:chgData name="Marcia Moraes" userId="c9c67e8a-58e2-4733-9a1c-5d44fec4775b" providerId="ADAL" clId="{737BC473-D2BC-42F5-9433-E3DD58752011}" dt="2023-03-28T19:46:36.190" v="362" actId="478"/>
-          <ac:picMkLst>
-            <pc:docMk/>
-            <pc:sldMk cId="397208923" sldId="274"/>
-            <ac:picMk id="7" creationId="{A522F15C-91B9-41A0-8352-A5CA14914723}"/>
-          </ac:picMkLst>
-        </pc:picChg>
-        <pc:picChg chg="add mod">
-          <ac:chgData name="Marcia Moraes" userId="c9c67e8a-58e2-4733-9a1c-5d44fec4775b" providerId="ADAL" clId="{737BC473-D2BC-42F5-9433-E3DD58752011}" dt="2023-03-28T19:47:45.637" v="371" actId="1076"/>
-          <ac:picMkLst>
-            <pc:docMk/>
-            <pc:sldMk cId="397208923" sldId="274"/>
-            <ac:picMk id="8" creationId="{9A97BD98-54C3-4DB4-9E33-74FF68A4E0E6}"/>
-          </ac:picMkLst>
-        </pc:picChg>
-      </pc:sldChg>
-      <pc:sldChg chg="delSp modSp add">
-        <pc:chgData name="Marcia Moraes" userId="c9c67e8a-58e2-4733-9a1c-5d44fec4775b" providerId="ADAL" clId="{737BC473-D2BC-42F5-9433-E3DD58752011}" dt="2023-03-28T19:51:34.947" v="404" actId="20577"/>
-        <pc:sldMkLst>
-          <pc:docMk/>
-          <pc:sldMk cId="3582729064" sldId="275"/>
-        </pc:sldMkLst>
-        <pc:spChg chg="mod">
-          <ac:chgData name="Marcia Moraes" userId="c9c67e8a-58e2-4733-9a1c-5d44fec4775b" providerId="ADAL" clId="{737BC473-D2BC-42F5-9433-E3DD58752011}" dt="2023-03-28T19:50:30.019" v="388" actId="20577"/>
-          <ac:spMkLst>
-            <pc:docMk/>
-            <pc:sldMk cId="3582729064" sldId="275"/>
-            <ac:spMk id="2" creationId="{694CB510-D139-5046-B5EC-70FAE2EFF086}"/>
-          </ac:spMkLst>
-        </pc:spChg>
-        <pc:spChg chg="mod">
-          <ac:chgData name="Marcia Moraes" userId="c9c67e8a-58e2-4733-9a1c-5d44fec4775b" providerId="ADAL" clId="{737BC473-D2BC-42F5-9433-E3DD58752011}" dt="2023-03-28T19:51:34.947" v="404" actId="20577"/>
-          <ac:spMkLst>
-            <pc:docMk/>
-            <pc:sldMk cId="3582729064" sldId="275"/>
-            <ac:spMk id="6" creationId="{93E16D9F-6A4D-417A-9478-353B6CFB6CA5}"/>
-          </ac:spMkLst>
-        </pc:spChg>
-        <pc:picChg chg="del">
-          <ac:chgData name="Marcia Moraes" userId="c9c67e8a-58e2-4733-9a1c-5d44fec4775b" providerId="ADAL" clId="{737BC473-D2BC-42F5-9433-E3DD58752011}" dt="2023-03-28T19:50:51.660" v="389" actId="478"/>
-          <ac:picMkLst>
-            <pc:docMk/>
-            <pc:sldMk cId="3582729064" sldId="275"/>
-            <ac:picMk id="8" creationId="{9A97BD98-54C3-4DB4-9E33-74FF68A4E0E6}"/>
-          </ac:picMkLst>
-        </pc:picChg>
-      </pc:sldChg>
-      <pc:sldChg chg="addSp delSp modSp add modAnim">
-        <pc:chgData name="Marcia Moraes" userId="c9c67e8a-58e2-4733-9a1c-5d44fec4775b" providerId="ADAL" clId="{737BC473-D2BC-42F5-9433-E3DD58752011}" dt="2023-03-28T20:02:42.207" v="560"/>
-        <pc:sldMkLst>
-          <pc:docMk/>
-          <pc:sldMk cId="53622056" sldId="276"/>
-        </pc:sldMkLst>
-        <pc:spChg chg="mod">
-          <ac:chgData name="Marcia Moraes" userId="c9c67e8a-58e2-4733-9a1c-5d44fec4775b" providerId="ADAL" clId="{737BC473-D2BC-42F5-9433-E3DD58752011}" dt="2023-03-28T20:02:08.295" v="557" actId="1076"/>
-          <ac:spMkLst>
-            <pc:docMk/>
-            <pc:sldMk cId="53622056" sldId="276"/>
-            <ac:spMk id="2" creationId="{694CB510-D139-5046-B5EC-70FAE2EFF086}"/>
-          </ac:spMkLst>
-        </pc:spChg>
-        <pc:spChg chg="add mod">
-          <ac:chgData name="Marcia Moraes" userId="c9c67e8a-58e2-4733-9a1c-5d44fec4775b" providerId="ADAL" clId="{737BC473-D2BC-42F5-9433-E3DD58752011}" dt="2023-03-28T19:59:54.563" v="406" actId="478"/>
-          <ac:spMkLst>
-            <pc:docMk/>
-            <pc:sldMk cId="53622056" sldId="276"/>
-            <ac:spMk id="4" creationId="{88AE7507-4BD4-4282-9B56-D277270E1131}"/>
-          </ac:spMkLst>
-        </pc:spChg>
-        <pc:spChg chg="del">
-          <ac:chgData name="Marcia Moraes" userId="c9c67e8a-58e2-4733-9a1c-5d44fec4775b" providerId="ADAL" clId="{737BC473-D2BC-42F5-9433-E3DD58752011}" dt="2023-03-28T19:59:54.563" v="406" actId="478"/>
-          <ac:spMkLst>
-            <pc:docMk/>
-            <pc:sldMk cId="53622056" sldId="276"/>
-            <ac:spMk id="6" creationId="{93E16D9F-6A4D-417A-9478-353B6CFB6CA5}"/>
-          </ac:spMkLst>
-        </pc:spChg>
-        <pc:spChg chg="add mod">
-          <ac:chgData name="Marcia Moraes" userId="c9c67e8a-58e2-4733-9a1c-5d44fec4775b" providerId="ADAL" clId="{737BC473-D2BC-42F5-9433-E3DD58752011}" dt="2023-03-28T20:02:03.100" v="556" actId="20577"/>
-          <ac:spMkLst>
-            <pc:docMk/>
-            <pc:sldMk cId="53622056" sldId="276"/>
-            <ac:spMk id="7" creationId="{9D07DDFE-EE8A-4049-AA94-F865DC4E571F}"/>
-          </ac:spMkLst>
-        </pc:spChg>
-        <pc:picChg chg="add mod">
-          <ac:chgData name="Marcia Moraes" userId="c9c67e8a-58e2-4733-9a1c-5d44fec4775b" providerId="ADAL" clId="{737BC473-D2BC-42F5-9433-E3DD58752011}" dt="2023-03-28T20:02:39.252" v="559" actId="1076"/>
-          <ac:picMkLst>
-            <pc:docMk/>
-            <pc:sldMk cId="53622056" sldId="276"/>
-            <ac:picMk id="5" creationId="{7947E935-70C3-4EC1-A109-D9A682864AFA}"/>
-          </ac:picMkLst>
-        </pc:picChg>
-      </pc:sldChg>
-      <pc:sldChg chg="modSp add">
-        <pc:chgData name="Marcia Moraes" userId="c9c67e8a-58e2-4733-9a1c-5d44fec4775b" providerId="ADAL" clId="{737BC473-D2BC-42F5-9433-E3DD58752011}" dt="2023-03-28T20:04:12.019" v="614" actId="20577"/>
-        <pc:sldMkLst>
-          <pc:docMk/>
-          <pc:sldMk cId="2467373425" sldId="277"/>
-        </pc:sldMkLst>
-        <pc:spChg chg="mod">
-          <ac:chgData name="Marcia Moraes" userId="c9c67e8a-58e2-4733-9a1c-5d44fec4775b" providerId="ADAL" clId="{737BC473-D2BC-42F5-9433-E3DD58752011}" dt="2023-03-28T20:04:02.619" v="586" actId="20577"/>
-          <ac:spMkLst>
-            <pc:docMk/>
-            <pc:sldMk cId="2467373425" sldId="277"/>
-            <ac:spMk id="2" creationId="{694CB510-D139-5046-B5EC-70FAE2EFF086}"/>
-          </ac:spMkLst>
-        </pc:spChg>
-        <pc:spChg chg="mod">
-          <ac:chgData name="Marcia Moraes" userId="c9c67e8a-58e2-4733-9a1c-5d44fec4775b" providerId="ADAL" clId="{737BC473-D2BC-42F5-9433-E3DD58752011}" dt="2023-03-28T20:04:12.019" v="614" actId="20577"/>
-          <ac:spMkLst>
-            <pc:docMk/>
-            <pc:sldMk cId="2467373425" sldId="277"/>
-            <ac:spMk id="6" creationId="{93E16D9F-6A4D-417A-9478-353B6CFB6CA5}"/>
-          </ac:spMkLst>
-        </pc:spChg>
-      </pc:sldChg>
-      <pc:sldMasterChg chg="modSldLayout">
-        <pc:chgData name="Marcia Moraes" userId="c9c67e8a-58e2-4733-9a1c-5d44fec4775b" providerId="ADAL" clId="{737BC473-D2BC-42F5-9433-E3DD58752011}" dt="2023-03-28T19:18:40.891" v="203" actId="20577"/>
-        <pc:sldMasterMkLst>
-          <pc:docMk/>
-          <pc:sldMasterMk cId="3965733437" sldId="2147483648"/>
-        </pc:sldMasterMkLst>
-        <pc:sldLayoutChg chg="modSp">
-          <pc:chgData name="Marcia Moraes" userId="c9c67e8a-58e2-4733-9a1c-5d44fec4775b" providerId="ADAL" clId="{737BC473-D2BC-42F5-9433-E3DD58752011}" dt="2023-03-28T19:18:40.891" v="203" actId="20577"/>
-          <pc:sldLayoutMkLst>
-            <pc:docMk/>
-            <pc:sldMasterMk cId="3965733437" sldId="2147483648"/>
-            <pc:sldLayoutMk cId="0" sldId="2147483689"/>
-          </pc:sldLayoutMkLst>
-          <pc:spChg chg="mod">
-            <ac:chgData name="Marcia Moraes" userId="c9c67e8a-58e2-4733-9a1c-5d44fec4775b" providerId="ADAL" clId="{737BC473-D2BC-42F5-9433-E3DD58752011}" dt="2023-03-28T19:18:10.721" v="126" actId="1076"/>
-            <ac:spMkLst>
-              <pc:docMk/>
-              <pc:sldMasterMk cId="3965733437" sldId="2147483648"/>
-              <pc:sldLayoutMk cId="0" sldId="2147483689"/>
-              <ac:spMk id="9" creationId="{518974DB-51D0-2C49-9088-48CE2D84AB1C}"/>
-            </ac:spMkLst>
-          </pc:spChg>
-          <pc:spChg chg="mod">
-            <ac:chgData name="Marcia Moraes" userId="c9c67e8a-58e2-4733-9a1c-5d44fec4775b" providerId="ADAL" clId="{737BC473-D2BC-42F5-9433-E3DD58752011}" dt="2023-03-28T19:18:40.891" v="203" actId="20577"/>
-            <ac:spMkLst>
-              <pc:docMk/>
-              <pc:sldMasterMk cId="3965733437" sldId="2147483648"/>
-              <pc:sldLayoutMk cId="0" sldId="2147483689"/>
-              <ac:spMk id="11" creationId="{F621E987-BD36-AF48-B11C-CC4BAD65092F}"/>
-            </ac:spMkLst>
-          </pc:spChg>
-          <pc:picChg chg="mod">
-            <ac:chgData name="Marcia Moraes" userId="c9c67e8a-58e2-4733-9a1c-5d44fec4775b" providerId="ADAL" clId="{737BC473-D2BC-42F5-9433-E3DD58752011}" dt="2023-03-28T19:18:08.764" v="125" actId="1076"/>
-            <ac:picMkLst>
-              <pc:docMk/>
-              <pc:sldMasterMk cId="3965733437" sldId="2147483648"/>
-              <pc:sldLayoutMk cId="0" sldId="2147483689"/>
-              <ac:picMk id="7" creationId="{00000000-0000-0000-0000-000000000000}"/>
-            </ac:picMkLst>
-          </pc:picChg>
-        </pc:sldLayoutChg>
-      </pc:sldMasterChg>
     </pc:docChg>
   </pc:docChgLst>
   <pc:docChgLst>
+    <pc:chgData name="Marcia Moraes" userId="c9c67e8a-58e2-4733-9a1c-5d44fec4775b" providerId="ADAL" clId="{97145F3A-442B-467A-B4E2-71818570B6F2}"/>
+  </pc:docChgLst>
+  <pc:docChgLst>
+    <pc:chgData name="Marcia Moraes" userId="c9c67e8a-58e2-4733-9a1c-5d44fec4775b" providerId="ADAL" clId="{737BC473-D2BC-42F5-9433-E3DD58752011}"/>
+  </pc:docChgLst>
+  <pc:docChgLst>
     <pc:chgData name="Moraes,Marcia" userId="c9c67e8a-58e2-4733-9a1c-5d44fec4775b" providerId="ADAL" clId="{97145F3A-442B-467A-B4E2-71818570B6F2}"/>
-    <pc:docChg chg="modSld sldOrd">
-      <pc:chgData name="Moraes,Marcia" userId="c9c67e8a-58e2-4733-9a1c-5d44fec4775b" providerId="ADAL" clId="{97145F3A-442B-467A-B4E2-71818570B6F2}" dt="2023-03-29T01:16:58.204" v="47" actId="20577"/>
-      <pc:docMkLst>
-        <pc:docMk/>
-      </pc:docMkLst>
-      <pc:sldChg chg="ord">
-        <pc:chgData name="Moraes,Marcia" userId="c9c67e8a-58e2-4733-9a1c-5d44fec4775b" providerId="ADAL" clId="{97145F3A-442B-467A-B4E2-71818570B6F2}" dt="2023-03-29T01:16:42.098" v="0"/>
-        <pc:sldMkLst>
-          <pc:docMk/>
-          <pc:sldMk cId="53622056" sldId="276"/>
-        </pc:sldMkLst>
-      </pc:sldChg>
-      <pc:sldChg chg="modSp">
-        <pc:chgData name="Moraes,Marcia" userId="c9c67e8a-58e2-4733-9a1c-5d44fec4775b" providerId="ADAL" clId="{97145F3A-442B-467A-B4E2-71818570B6F2}" dt="2023-03-29T01:16:58.204" v="47" actId="20577"/>
-        <pc:sldMkLst>
-          <pc:docMk/>
-          <pc:sldMk cId="2467373425" sldId="277"/>
-        </pc:sldMkLst>
-        <pc:spChg chg="mod">
-          <ac:chgData name="Moraes,Marcia" userId="c9c67e8a-58e2-4733-9a1c-5d44fec4775b" providerId="ADAL" clId="{97145F3A-442B-467A-B4E2-71818570B6F2}" dt="2023-03-29T01:16:58.204" v="47" actId="20577"/>
-          <ac:spMkLst>
-            <pc:docMk/>
-            <pc:sldMk cId="2467373425" sldId="277"/>
-            <ac:spMk id="6" creationId="{93E16D9F-6A4D-417A-9478-353B6CFB6CA5}"/>
-          </ac:spMkLst>
-        </pc:spChg>
-      </pc:sldChg>
-    </pc:docChg>
   </pc:docChgLst>
 </pc:chgInfo>
 </file>
@@ -717,7 +280,7 @@
           <a:p>
             <a:fld id="{4D7E51A5-B478-1E40-8CBB-0DAA8831E99D}" type="datetimeFigureOut">
               <a:rPr lang="en-US" smtClean="0"/>
-              <a:t>3/28/2023</a:t>
+              <a:t>10/24/2023</a:t>
             </a:fld>
             <a:endParaRPr lang="en-US"/>
           </a:p>
@@ -882,7 +445,7 @@
           <a:p>
             <a:fld id="{D0ED587F-861E-6740-9643-E3DDAE89B8D6}" type="datetimeFigureOut">
               <a:rPr lang="en-US" smtClean="0"/>
-              <a:t>3/28/2023</a:t>
+              <a:t>10/24/2023</a:t>
             </a:fld>
             <a:endParaRPr lang="en-US"/>
           </a:p>
@@ -9962,97 +9525,6 @@
           </a:p>
         </p:txBody>
       </p:sp>
-      <p:sp>
-        <p:nvSpPr>
-          <p:cNvPr id="5" name="TextBox 4">
-            <a:extLst>
-              <a:ext uri="{FF2B5EF4-FFF2-40B4-BE49-F238E27FC236}">
-                <a16:creationId xmlns:a16="http://schemas.microsoft.com/office/drawing/2014/main" id="{1E54CBCD-3447-4F03-970A-F1628F46BEF2}"/>
-              </a:ext>
-            </a:extLst>
-          </p:cNvPr>
-          <p:cNvSpPr txBox="1"/>
-          <p:nvPr/>
-        </p:nvSpPr>
-        <p:spPr>
-          <a:xfrm>
-            <a:off x="10348353" y="3780234"/>
-            <a:ext cx="3352800" cy="3477875"/>
-          </a:xfrm>
-          <a:prstGeom prst="rect">
-            <a:avLst/>
-          </a:prstGeom>
-          <a:solidFill>
-            <a:schemeClr val="bg2">
-              <a:lumMod val="40000"/>
-              <a:lumOff val="60000"/>
-            </a:schemeClr>
-          </a:solidFill>
-        </p:spPr>
-        <p:txBody>
-          <a:bodyPr wrap="square" rtlCol="0">
-            <a:spAutoFit/>
-          </a:bodyPr>
-          <a:lstStyle/>
-          <a:p>
-            <a:r>
-              <a:rPr lang="en-US" dirty="0"/>
-              <a:t>Friday Help Desk – </a:t>
-            </a:r>
-          </a:p>
-          <a:p>
-            <a:r>
-              <a:rPr lang="en-US" dirty="0"/>
-              <a:t>12-4pm CSB120</a:t>
-            </a:r>
-          </a:p>
-          <a:p>
-            <a:endParaRPr lang="en-US" dirty="0"/>
-          </a:p>
-          <a:p>
-            <a:r>
-              <a:rPr lang="en-US" dirty="0"/>
-              <a:t>Friday Help Session – </a:t>
-            </a:r>
-          </a:p>
-          <a:p>
-            <a:r>
-              <a:rPr lang="en-US" dirty="0"/>
-              <a:t>1-2pm Teams</a:t>
-            </a:r>
-          </a:p>
-          <a:p>
-            <a:endParaRPr lang="en-US" dirty="0"/>
-          </a:p>
-          <a:p>
-            <a:r>
-              <a:rPr lang="en-US" dirty="0"/>
-              <a:t>Saturday Help Desk – </a:t>
-            </a:r>
-          </a:p>
-          <a:p>
-            <a:r>
-              <a:rPr lang="en-US" dirty="0"/>
-              <a:t>12-4pm Teams</a:t>
-            </a:r>
-          </a:p>
-          <a:p>
-            <a:endParaRPr lang="en-US" dirty="0"/>
-          </a:p>
-          <a:p>
-            <a:r>
-              <a:rPr lang="en-US" dirty="0"/>
-              <a:t>Sunday Help Desk –</a:t>
-            </a:r>
-          </a:p>
-          <a:p>
-            <a:r>
-              <a:rPr lang="en-US" dirty="0"/>
-              <a:t>3-7pm Teams </a:t>
-            </a:r>
-          </a:p>
-        </p:txBody>
-      </p:sp>
       <p:pic>
         <p:nvPicPr>
           <p:cNvPr id="3" name="Picture 2" descr="Happy Friday&quot; Images – Browse 578 Stock Photos, Vectors, and ...">
@@ -10100,6 +9572,1439 @@
           </a:extLst>
         </p:spPr>
       </p:pic>
+      <p:sp>
+        <p:nvSpPr>
+          <p:cNvPr id="7" name="TextBox 6">
+            <a:extLst>
+              <a:ext uri="{FF2B5EF4-FFF2-40B4-BE49-F238E27FC236}">
+                <a16:creationId xmlns:a16="http://schemas.microsoft.com/office/drawing/2014/main" id="{A2BB02FD-7468-4CA7-AE15-5E2FC69A2A00}"/>
+              </a:ext>
+            </a:extLst>
+          </p:cNvPr>
+          <p:cNvSpPr txBox="1"/>
+          <p:nvPr/>
+        </p:nvSpPr>
+        <p:spPr>
+          <a:xfrm flipH="1">
+            <a:off x="9976198" y="3563577"/>
+            <a:ext cx="2444933" cy="400110"/>
+          </a:xfrm>
+          <a:prstGeom prst="rect">
+            <a:avLst/>
+          </a:prstGeom>
+          <a:noFill/>
+        </p:spPr>
+        <p:txBody>
+          <a:bodyPr wrap="square" rtlCol="0">
+            <a:spAutoFit/>
+          </a:bodyPr>
+          <a:lstStyle/>
+          <a:p>
+            <a:r>
+              <a:rPr lang="en-US" dirty="0"/>
+              <a:t>Help Desk</a:t>
+            </a:r>
+          </a:p>
+        </p:txBody>
+      </p:sp>
+      <p:graphicFrame>
+        <p:nvGraphicFramePr>
+          <p:cNvPr id="8" name="Table 7">
+            <a:extLst>
+              <a:ext uri="{FF2B5EF4-FFF2-40B4-BE49-F238E27FC236}">
+                <a16:creationId xmlns:a16="http://schemas.microsoft.com/office/drawing/2014/main" id="{C00265BD-7880-45A3-868B-AEC7ECB9AB5E}"/>
+              </a:ext>
+            </a:extLst>
+          </p:cNvPr>
+          <p:cNvGraphicFramePr>
+            <a:graphicFrameLocks noGrp="1"/>
+          </p:cNvGraphicFramePr>
+          <p:nvPr>
+            <p:extLst>
+              <p:ext uri="{D42A27DB-BD31-4B8C-83A1-F6EECF244321}">
+                <p14:modId xmlns:p14="http://schemas.microsoft.com/office/powerpoint/2010/main" val="3095242367"/>
+              </p:ext>
+            </p:extLst>
+          </p:nvPr>
+        </p:nvGraphicFramePr>
+        <p:xfrm>
+          <a:off x="9987253" y="4063757"/>
+          <a:ext cx="3572199" cy="3253859"/>
+        </p:xfrm>
+        <a:graphic>
+          <a:graphicData uri="http://schemas.openxmlformats.org/drawingml/2006/table">
+            <a:tbl>
+              <a:tblPr firstRow="1">
+                <a:tableStyleId>{5C22544A-7EE6-4342-B048-85BDC9FD1C3A}</a:tableStyleId>
+              </a:tblPr>
+              <a:tblGrid>
+                <a:gridCol w="1105468">
+                  <a:extLst>
+                    <a:ext uri="{9D8B030D-6E8A-4147-A177-3AD203B41FA5}">
+                      <a16:colId xmlns:a16="http://schemas.microsoft.com/office/drawing/2014/main" val="1333462331"/>
+                    </a:ext>
+                  </a:extLst>
+                </a:gridCol>
+                <a:gridCol w="2466731">
+                  <a:extLst>
+                    <a:ext uri="{9D8B030D-6E8A-4147-A177-3AD203B41FA5}">
+                      <a16:colId xmlns:a16="http://schemas.microsoft.com/office/drawing/2014/main" val="668155110"/>
+                    </a:ext>
+                  </a:extLst>
+                </a:gridCol>
+              </a:tblGrid>
+              <a:tr h="165373">
+                <a:tc>
+                  <a:txBody>
+                    <a:bodyPr/>
+                    <a:lstStyle/>
+                    <a:p>
+                      <a:pPr marL="0" marR="0">
+                        <a:lnSpc>
+                          <a:spcPct val="107000"/>
+                        </a:lnSpc>
+                        <a:spcBef>
+                          <a:spcPts val="0"/>
+                        </a:spcBef>
+                        <a:spcAft>
+                          <a:spcPts val="800"/>
+                        </a:spcAft>
+                      </a:pPr>
+                      <a:r>
+                        <a:rPr lang="en-US" sz="1600" dirty="0">
+                          <a:solidFill>
+                            <a:schemeClr val="tx1"/>
+                          </a:solidFill>
+                          <a:effectLst/>
+                        </a:rPr>
+                        <a:t>Day</a:t>
+                      </a:r>
+                      <a:endParaRPr lang="en-US" sz="1600" dirty="0">
+                        <a:solidFill>
+                          <a:schemeClr val="tx1"/>
+                        </a:solidFill>
+                        <a:effectLst/>
+                        <a:latin typeface="Calibri" panose="020F0502020204030204" pitchFamily="34" charset="0"/>
+                        <a:ea typeface="Calibri" panose="020F0502020204030204" pitchFamily="34" charset="0"/>
+                        <a:cs typeface="Times New Roman" panose="02020603050405020304" pitchFamily="18" charset="0"/>
+                      </a:endParaRPr>
+                    </a:p>
+                  </a:txBody>
+                  <a:tcPr marL="15875" marR="15875" marT="15875" marB="15875" anchor="ctr">
+                    <a:lnL w="12700" cap="flat" cmpd="sng" algn="ctr">
+                      <a:solidFill>
+                        <a:schemeClr val="tx1"/>
+                      </a:solidFill>
+                      <a:prstDash val="solid"/>
+                      <a:round/>
+                      <a:headEnd type="none" w="med" len="med"/>
+                      <a:tailEnd type="none" w="med" len="med"/>
+                    </a:lnL>
+                    <a:lnR w="12700" cap="flat" cmpd="sng" algn="ctr">
+                      <a:solidFill>
+                        <a:schemeClr val="tx1"/>
+                      </a:solidFill>
+                      <a:prstDash val="solid"/>
+                      <a:round/>
+                      <a:headEnd type="none" w="med" len="med"/>
+                      <a:tailEnd type="none" w="med" len="med"/>
+                    </a:lnR>
+                    <a:lnT w="12700" cap="flat" cmpd="sng" algn="ctr">
+                      <a:solidFill>
+                        <a:schemeClr val="tx1"/>
+                      </a:solidFill>
+                      <a:prstDash val="solid"/>
+                      <a:round/>
+                      <a:headEnd type="none" w="med" len="med"/>
+                      <a:tailEnd type="none" w="med" len="med"/>
+                    </a:lnT>
+                    <a:lnB w="12700" cap="flat" cmpd="sng" algn="ctr">
+                      <a:solidFill>
+                        <a:schemeClr val="tx1"/>
+                      </a:solidFill>
+                      <a:prstDash val="solid"/>
+                      <a:round/>
+                      <a:headEnd type="none" w="med" len="med"/>
+                      <a:tailEnd type="none" w="med" len="med"/>
+                    </a:lnB>
+                    <a:lnTlToBr w="12700" cmpd="sng">
+                      <a:noFill/>
+                      <a:prstDash val="solid"/>
+                    </a:lnTlToBr>
+                    <a:lnBlToTr w="12700" cmpd="sng">
+                      <a:noFill/>
+                      <a:prstDash val="solid"/>
+                    </a:lnBlToTr>
+                    <a:solidFill>
+                      <a:schemeClr val="bg1"/>
+                    </a:solidFill>
+                  </a:tcPr>
+                </a:tc>
+                <a:tc>
+                  <a:txBody>
+                    <a:bodyPr/>
+                    <a:lstStyle/>
+                    <a:p>
+                      <a:pPr marL="0" marR="0">
+                        <a:lnSpc>
+                          <a:spcPct val="107000"/>
+                        </a:lnSpc>
+                        <a:spcBef>
+                          <a:spcPts val="0"/>
+                        </a:spcBef>
+                        <a:spcAft>
+                          <a:spcPts val="800"/>
+                        </a:spcAft>
+                      </a:pPr>
+                      <a:r>
+                        <a:rPr lang="en-US" sz="1600" dirty="0">
+                          <a:solidFill>
+                            <a:schemeClr val="tx1"/>
+                          </a:solidFill>
+                          <a:effectLst/>
+                        </a:rPr>
+                        <a:t>Time : Room</a:t>
+                      </a:r>
+                      <a:endParaRPr lang="en-US" sz="1600" dirty="0">
+                        <a:solidFill>
+                          <a:schemeClr val="tx1"/>
+                        </a:solidFill>
+                        <a:effectLst/>
+                        <a:latin typeface="Calibri" panose="020F0502020204030204" pitchFamily="34" charset="0"/>
+                        <a:ea typeface="Calibri" panose="020F0502020204030204" pitchFamily="34" charset="0"/>
+                        <a:cs typeface="Times New Roman" panose="02020603050405020304" pitchFamily="18" charset="0"/>
+                      </a:endParaRPr>
+                    </a:p>
+                  </a:txBody>
+                  <a:tcPr marL="15875" marR="15875" marT="15875" marB="15875" anchor="ctr">
+                    <a:lnL w="12700" cap="flat" cmpd="sng" algn="ctr">
+                      <a:solidFill>
+                        <a:schemeClr val="tx1"/>
+                      </a:solidFill>
+                      <a:prstDash val="solid"/>
+                      <a:round/>
+                      <a:headEnd type="none" w="med" len="med"/>
+                      <a:tailEnd type="none" w="med" len="med"/>
+                    </a:lnL>
+                    <a:lnR w="12700" cap="flat" cmpd="sng" algn="ctr">
+                      <a:solidFill>
+                        <a:schemeClr val="tx1"/>
+                      </a:solidFill>
+                      <a:prstDash val="solid"/>
+                      <a:round/>
+                      <a:headEnd type="none" w="med" len="med"/>
+                      <a:tailEnd type="none" w="med" len="med"/>
+                    </a:lnR>
+                    <a:lnT w="12700" cap="flat" cmpd="sng" algn="ctr">
+                      <a:solidFill>
+                        <a:schemeClr val="tx1"/>
+                      </a:solidFill>
+                      <a:prstDash val="solid"/>
+                      <a:round/>
+                      <a:headEnd type="none" w="med" len="med"/>
+                      <a:tailEnd type="none" w="med" len="med"/>
+                    </a:lnT>
+                    <a:lnB w="12700" cap="flat" cmpd="sng" algn="ctr">
+                      <a:solidFill>
+                        <a:schemeClr val="tx1"/>
+                      </a:solidFill>
+                      <a:prstDash val="solid"/>
+                      <a:round/>
+                      <a:headEnd type="none" w="med" len="med"/>
+                      <a:tailEnd type="none" w="med" len="med"/>
+                    </a:lnB>
+                    <a:lnTlToBr w="12700" cmpd="sng">
+                      <a:noFill/>
+                      <a:prstDash val="solid"/>
+                    </a:lnTlToBr>
+                    <a:lnBlToTr w="12700" cmpd="sng">
+                      <a:noFill/>
+                      <a:prstDash val="solid"/>
+                    </a:lnBlToTr>
+                    <a:solidFill>
+                      <a:schemeClr val="bg1"/>
+                    </a:solidFill>
+                  </a:tcPr>
+                </a:tc>
+                <a:extLst>
+                  <a:ext uri="{0D108BD9-81ED-4DB2-BD59-A6C34878D82A}">
+                    <a16:rowId xmlns:a16="http://schemas.microsoft.com/office/drawing/2014/main" val="3093163206"/>
+                  </a:ext>
+                </a:extLst>
+              </a:tr>
+              <a:tr h="581669">
+                <a:tc>
+                  <a:txBody>
+                    <a:bodyPr/>
+                    <a:lstStyle/>
+                    <a:p>
+                      <a:pPr marL="0" marR="0">
+                        <a:lnSpc>
+                          <a:spcPct val="107000"/>
+                        </a:lnSpc>
+                        <a:spcBef>
+                          <a:spcPts val="0"/>
+                        </a:spcBef>
+                        <a:spcAft>
+                          <a:spcPts val="800"/>
+                        </a:spcAft>
+                      </a:pPr>
+                      <a:r>
+                        <a:rPr lang="en-US" sz="1600" dirty="0">
+                          <a:effectLst/>
+                        </a:rPr>
+                        <a:t>Monday</a:t>
+                      </a:r>
+                      <a:endParaRPr lang="en-US" sz="1600" dirty="0">
+                        <a:effectLst/>
+                        <a:latin typeface="Calibri" panose="020F0502020204030204" pitchFamily="34" charset="0"/>
+                        <a:ea typeface="Calibri" panose="020F0502020204030204" pitchFamily="34" charset="0"/>
+                        <a:cs typeface="Times New Roman" panose="02020603050405020304" pitchFamily="18" charset="0"/>
+                      </a:endParaRPr>
+                    </a:p>
+                  </a:txBody>
+                  <a:tcPr marL="15875" marR="15875" marT="15875" marB="15875" anchor="ctr">
+                    <a:lnL w="12700" cap="flat" cmpd="sng" algn="ctr">
+                      <a:solidFill>
+                        <a:schemeClr val="tx1"/>
+                      </a:solidFill>
+                      <a:prstDash val="solid"/>
+                      <a:round/>
+                      <a:headEnd type="none" w="med" len="med"/>
+                      <a:tailEnd type="none" w="med" len="med"/>
+                    </a:lnL>
+                    <a:lnR w="12700" cap="flat" cmpd="sng" algn="ctr">
+                      <a:solidFill>
+                        <a:schemeClr val="tx1"/>
+                      </a:solidFill>
+                      <a:prstDash val="solid"/>
+                      <a:round/>
+                      <a:headEnd type="none" w="med" len="med"/>
+                      <a:tailEnd type="none" w="med" len="med"/>
+                    </a:lnR>
+                    <a:lnT w="12700" cap="flat" cmpd="sng" algn="ctr">
+                      <a:solidFill>
+                        <a:schemeClr val="tx1"/>
+                      </a:solidFill>
+                      <a:prstDash val="solid"/>
+                      <a:round/>
+                      <a:headEnd type="none" w="med" len="med"/>
+                      <a:tailEnd type="none" w="med" len="med"/>
+                    </a:lnT>
+                    <a:lnB w="12700" cap="flat" cmpd="sng" algn="ctr">
+                      <a:solidFill>
+                        <a:schemeClr val="tx1"/>
+                      </a:solidFill>
+                      <a:prstDash val="solid"/>
+                      <a:round/>
+                      <a:headEnd type="none" w="med" len="med"/>
+                      <a:tailEnd type="none" w="med" len="med"/>
+                    </a:lnB>
+                    <a:lnTlToBr w="12700" cmpd="sng">
+                      <a:noFill/>
+                      <a:prstDash val="solid"/>
+                    </a:lnTlToBr>
+                    <a:lnBlToTr w="12700" cmpd="sng">
+                      <a:noFill/>
+                      <a:prstDash val="solid"/>
+                    </a:lnBlToTr>
+                    <a:solidFill>
+                      <a:schemeClr val="bg1"/>
+                    </a:solidFill>
+                  </a:tcPr>
+                </a:tc>
+                <a:tc>
+                  <a:txBody>
+                    <a:bodyPr/>
+                    <a:lstStyle/>
+                    <a:p>
+                      <a:pPr marL="0" marR="0">
+                        <a:lnSpc>
+                          <a:spcPct val="107000"/>
+                        </a:lnSpc>
+                        <a:spcBef>
+                          <a:spcPts val="0"/>
+                        </a:spcBef>
+                        <a:spcAft>
+                          <a:spcPts val="800"/>
+                        </a:spcAft>
+                      </a:pPr>
+                      <a:r>
+                        <a:rPr lang="en-US" sz="1600" dirty="0">
+                          <a:effectLst/>
+                        </a:rPr>
+                        <a:t>12 PM - 2 PM : CSB 120</a:t>
+                      </a:r>
+                      <a:endParaRPr lang="en-US" sz="1600" dirty="0">
+                        <a:effectLst/>
+                        <a:latin typeface="Calibri" panose="020F0502020204030204" pitchFamily="34" charset="0"/>
+                        <a:ea typeface="Calibri" panose="020F0502020204030204" pitchFamily="34" charset="0"/>
+                        <a:cs typeface="Times New Roman" panose="02020603050405020304" pitchFamily="18" charset="0"/>
+                      </a:endParaRPr>
+                    </a:p>
+                  </a:txBody>
+                  <a:tcPr marL="15875" marR="15875" marT="15875" marB="15875" anchor="ctr">
+                    <a:lnL w="12700" cap="flat" cmpd="sng" algn="ctr">
+                      <a:solidFill>
+                        <a:schemeClr val="tx1"/>
+                      </a:solidFill>
+                      <a:prstDash val="solid"/>
+                      <a:round/>
+                      <a:headEnd type="none" w="med" len="med"/>
+                      <a:tailEnd type="none" w="med" len="med"/>
+                    </a:lnL>
+                    <a:lnR w="12700" cap="flat" cmpd="sng" algn="ctr">
+                      <a:solidFill>
+                        <a:schemeClr val="tx1"/>
+                      </a:solidFill>
+                      <a:prstDash val="solid"/>
+                      <a:round/>
+                      <a:headEnd type="none" w="med" len="med"/>
+                      <a:tailEnd type="none" w="med" len="med"/>
+                    </a:lnR>
+                    <a:lnT w="12700" cap="flat" cmpd="sng" algn="ctr">
+                      <a:solidFill>
+                        <a:schemeClr val="tx1"/>
+                      </a:solidFill>
+                      <a:prstDash val="solid"/>
+                      <a:round/>
+                      <a:headEnd type="none" w="med" len="med"/>
+                      <a:tailEnd type="none" w="med" len="med"/>
+                    </a:lnT>
+                    <a:lnB w="12700" cap="flat" cmpd="sng" algn="ctr">
+                      <a:solidFill>
+                        <a:schemeClr val="tx1"/>
+                      </a:solidFill>
+                      <a:prstDash val="solid"/>
+                      <a:round/>
+                      <a:headEnd type="none" w="med" len="med"/>
+                      <a:tailEnd type="none" w="med" len="med"/>
+                    </a:lnB>
+                    <a:lnTlToBr w="12700" cmpd="sng">
+                      <a:noFill/>
+                      <a:prstDash val="solid"/>
+                    </a:lnTlToBr>
+                    <a:lnBlToTr w="12700" cmpd="sng">
+                      <a:noFill/>
+                      <a:prstDash val="solid"/>
+                    </a:lnBlToTr>
+                    <a:solidFill>
+                      <a:schemeClr val="bg1"/>
+                    </a:solidFill>
+                  </a:tcPr>
+                </a:tc>
+                <a:extLst>
+                  <a:ext uri="{0D108BD9-81ED-4DB2-BD59-A6C34878D82A}">
+                    <a16:rowId xmlns:a16="http://schemas.microsoft.com/office/drawing/2014/main" val="1139786997"/>
+                  </a:ext>
+                </a:extLst>
+              </a:tr>
+              <a:tr h="307347">
+                <a:tc>
+                  <a:txBody>
+                    <a:bodyPr/>
+                    <a:lstStyle/>
+                    <a:p>
+                      <a:pPr marL="0" marR="0">
+                        <a:lnSpc>
+                          <a:spcPct val="107000"/>
+                        </a:lnSpc>
+                        <a:spcBef>
+                          <a:spcPts val="0"/>
+                        </a:spcBef>
+                        <a:spcAft>
+                          <a:spcPts val="800"/>
+                        </a:spcAft>
+                      </a:pPr>
+                      <a:r>
+                        <a:rPr lang="en-US" sz="1600">
+                          <a:effectLst/>
+                        </a:rPr>
+                        <a:t>Tuesday</a:t>
+                      </a:r>
+                      <a:endParaRPr lang="en-US" sz="1600">
+                        <a:effectLst/>
+                        <a:latin typeface="Calibri" panose="020F0502020204030204" pitchFamily="34" charset="0"/>
+                        <a:ea typeface="Calibri" panose="020F0502020204030204" pitchFamily="34" charset="0"/>
+                        <a:cs typeface="Times New Roman" panose="02020603050405020304" pitchFamily="18" charset="0"/>
+                      </a:endParaRPr>
+                    </a:p>
+                  </a:txBody>
+                  <a:tcPr marL="15875" marR="15875" marT="15875" marB="15875" anchor="ctr">
+                    <a:lnL w="12700" cap="flat" cmpd="sng" algn="ctr">
+                      <a:solidFill>
+                        <a:schemeClr val="tx1"/>
+                      </a:solidFill>
+                      <a:prstDash val="solid"/>
+                      <a:round/>
+                      <a:headEnd type="none" w="med" len="med"/>
+                      <a:tailEnd type="none" w="med" len="med"/>
+                    </a:lnL>
+                    <a:lnR w="12700" cap="flat" cmpd="sng" algn="ctr">
+                      <a:solidFill>
+                        <a:schemeClr val="tx1"/>
+                      </a:solidFill>
+                      <a:prstDash val="solid"/>
+                      <a:round/>
+                      <a:headEnd type="none" w="med" len="med"/>
+                      <a:tailEnd type="none" w="med" len="med"/>
+                    </a:lnR>
+                    <a:lnT w="12700" cap="flat" cmpd="sng" algn="ctr">
+                      <a:solidFill>
+                        <a:schemeClr val="tx1"/>
+                      </a:solidFill>
+                      <a:prstDash val="solid"/>
+                      <a:round/>
+                      <a:headEnd type="none" w="med" len="med"/>
+                      <a:tailEnd type="none" w="med" len="med"/>
+                    </a:lnT>
+                    <a:lnB w="12700" cap="flat" cmpd="sng" algn="ctr">
+                      <a:solidFill>
+                        <a:schemeClr val="tx1"/>
+                      </a:solidFill>
+                      <a:prstDash val="solid"/>
+                      <a:round/>
+                      <a:headEnd type="none" w="med" len="med"/>
+                      <a:tailEnd type="none" w="med" len="med"/>
+                    </a:lnB>
+                    <a:lnTlToBr w="12700" cmpd="sng">
+                      <a:noFill/>
+                      <a:prstDash val="solid"/>
+                    </a:lnTlToBr>
+                    <a:lnBlToTr w="12700" cmpd="sng">
+                      <a:noFill/>
+                      <a:prstDash val="solid"/>
+                    </a:lnBlToTr>
+                    <a:solidFill>
+                      <a:schemeClr val="bg1"/>
+                    </a:solidFill>
+                  </a:tcPr>
+                </a:tc>
+                <a:tc>
+                  <a:txBody>
+                    <a:bodyPr/>
+                    <a:lstStyle/>
+                    <a:p>
+                      <a:pPr marL="0" marR="0">
+                        <a:lnSpc>
+                          <a:spcPct val="107000"/>
+                        </a:lnSpc>
+                        <a:spcBef>
+                          <a:spcPts val="0"/>
+                        </a:spcBef>
+                        <a:spcAft>
+                          <a:spcPts val="800"/>
+                        </a:spcAft>
+                      </a:pPr>
+                      <a:r>
+                        <a:rPr lang="en-US" sz="1600">
+                          <a:effectLst/>
+                        </a:rPr>
+                        <a:t>6 PM - 8 PM : Teams</a:t>
+                      </a:r>
+                      <a:endParaRPr lang="en-US" sz="1600">
+                        <a:effectLst/>
+                        <a:latin typeface="Calibri" panose="020F0502020204030204" pitchFamily="34" charset="0"/>
+                        <a:ea typeface="Calibri" panose="020F0502020204030204" pitchFamily="34" charset="0"/>
+                        <a:cs typeface="Times New Roman" panose="02020603050405020304" pitchFamily="18" charset="0"/>
+                      </a:endParaRPr>
+                    </a:p>
+                  </a:txBody>
+                  <a:tcPr marL="15875" marR="15875" marT="15875" marB="15875" anchor="ctr">
+                    <a:lnL w="12700" cap="flat" cmpd="sng" algn="ctr">
+                      <a:solidFill>
+                        <a:schemeClr val="tx1"/>
+                      </a:solidFill>
+                      <a:prstDash val="solid"/>
+                      <a:round/>
+                      <a:headEnd type="none" w="med" len="med"/>
+                      <a:tailEnd type="none" w="med" len="med"/>
+                    </a:lnL>
+                    <a:lnR w="12700" cap="flat" cmpd="sng" algn="ctr">
+                      <a:solidFill>
+                        <a:schemeClr val="tx1"/>
+                      </a:solidFill>
+                      <a:prstDash val="solid"/>
+                      <a:round/>
+                      <a:headEnd type="none" w="med" len="med"/>
+                      <a:tailEnd type="none" w="med" len="med"/>
+                    </a:lnR>
+                    <a:lnT w="12700" cap="flat" cmpd="sng" algn="ctr">
+                      <a:solidFill>
+                        <a:schemeClr val="tx1"/>
+                      </a:solidFill>
+                      <a:prstDash val="solid"/>
+                      <a:round/>
+                      <a:headEnd type="none" w="med" len="med"/>
+                      <a:tailEnd type="none" w="med" len="med"/>
+                    </a:lnT>
+                    <a:lnB w="12700" cap="flat" cmpd="sng" algn="ctr">
+                      <a:solidFill>
+                        <a:schemeClr val="tx1"/>
+                      </a:solidFill>
+                      <a:prstDash val="solid"/>
+                      <a:round/>
+                      <a:headEnd type="none" w="med" len="med"/>
+                      <a:tailEnd type="none" w="med" len="med"/>
+                    </a:lnB>
+                    <a:lnTlToBr w="12700" cmpd="sng">
+                      <a:noFill/>
+                      <a:prstDash val="solid"/>
+                    </a:lnTlToBr>
+                    <a:lnBlToTr w="12700" cmpd="sng">
+                      <a:noFill/>
+                      <a:prstDash val="solid"/>
+                    </a:lnBlToTr>
+                    <a:solidFill>
+                      <a:schemeClr val="bg1"/>
+                    </a:solidFill>
+                  </a:tcPr>
+                </a:tc>
+                <a:extLst>
+                  <a:ext uri="{0D108BD9-81ED-4DB2-BD59-A6C34878D82A}">
+                    <a16:rowId xmlns:a16="http://schemas.microsoft.com/office/drawing/2014/main" val="1164388044"/>
+                  </a:ext>
+                </a:extLst>
+              </a:tr>
+              <a:tr h="581669">
+                <a:tc>
+                  <a:txBody>
+                    <a:bodyPr/>
+                    <a:lstStyle/>
+                    <a:p>
+                      <a:pPr marL="0" marR="0">
+                        <a:lnSpc>
+                          <a:spcPct val="107000"/>
+                        </a:lnSpc>
+                        <a:spcBef>
+                          <a:spcPts val="0"/>
+                        </a:spcBef>
+                        <a:spcAft>
+                          <a:spcPts val="800"/>
+                        </a:spcAft>
+                      </a:pPr>
+                      <a:r>
+                        <a:rPr lang="en-US" sz="1600">
+                          <a:effectLst/>
+                        </a:rPr>
+                        <a:t>Wednesday</a:t>
+                      </a:r>
+                      <a:endParaRPr lang="en-US" sz="1600">
+                        <a:effectLst/>
+                        <a:latin typeface="Calibri" panose="020F0502020204030204" pitchFamily="34" charset="0"/>
+                        <a:ea typeface="Calibri" panose="020F0502020204030204" pitchFamily="34" charset="0"/>
+                        <a:cs typeface="Times New Roman" panose="02020603050405020304" pitchFamily="18" charset="0"/>
+                      </a:endParaRPr>
+                    </a:p>
+                  </a:txBody>
+                  <a:tcPr marL="15875" marR="15875" marT="15875" marB="15875" anchor="ctr">
+                    <a:lnL w="12700" cap="flat" cmpd="sng" algn="ctr">
+                      <a:solidFill>
+                        <a:schemeClr val="tx1"/>
+                      </a:solidFill>
+                      <a:prstDash val="solid"/>
+                      <a:round/>
+                      <a:headEnd type="none" w="med" len="med"/>
+                      <a:tailEnd type="none" w="med" len="med"/>
+                    </a:lnL>
+                    <a:lnR w="12700" cap="flat" cmpd="sng" algn="ctr">
+                      <a:solidFill>
+                        <a:schemeClr val="tx1"/>
+                      </a:solidFill>
+                      <a:prstDash val="solid"/>
+                      <a:round/>
+                      <a:headEnd type="none" w="med" len="med"/>
+                      <a:tailEnd type="none" w="med" len="med"/>
+                    </a:lnR>
+                    <a:lnT w="12700" cap="flat" cmpd="sng" algn="ctr">
+                      <a:solidFill>
+                        <a:schemeClr val="tx1"/>
+                      </a:solidFill>
+                      <a:prstDash val="solid"/>
+                      <a:round/>
+                      <a:headEnd type="none" w="med" len="med"/>
+                      <a:tailEnd type="none" w="med" len="med"/>
+                    </a:lnT>
+                    <a:lnB w="12700" cap="flat" cmpd="sng" algn="ctr">
+                      <a:solidFill>
+                        <a:schemeClr val="tx1"/>
+                      </a:solidFill>
+                      <a:prstDash val="solid"/>
+                      <a:round/>
+                      <a:headEnd type="none" w="med" len="med"/>
+                      <a:tailEnd type="none" w="med" len="med"/>
+                    </a:lnB>
+                    <a:lnTlToBr w="12700" cmpd="sng">
+                      <a:noFill/>
+                      <a:prstDash val="solid"/>
+                    </a:lnTlToBr>
+                    <a:lnBlToTr w="12700" cmpd="sng">
+                      <a:noFill/>
+                      <a:prstDash val="solid"/>
+                    </a:lnBlToTr>
+                    <a:solidFill>
+                      <a:schemeClr val="bg1"/>
+                    </a:solidFill>
+                  </a:tcPr>
+                </a:tc>
+                <a:tc>
+                  <a:txBody>
+                    <a:bodyPr/>
+                    <a:lstStyle/>
+                    <a:p>
+                      <a:pPr marL="0" marR="0">
+                        <a:lnSpc>
+                          <a:spcPct val="107000"/>
+                        </a:lnSpc>
+                        <a:spcBef>
+                          <a:spcPts val="0"/>
+                        </a:spcBef>
+                        <a:spcAft>
+                          <a:spcPts val="800"/>
+                        </a:spcAft>
+                      </a:pPr>
+                      <a:r>
+                        <a:rPr lang="en-US" sz="1600">
+                          <a:effectLst/>
+                        </a:rPr>
+                        <a:t>3 PM - 5 PM : CSB 120</a:t>
+                      </a:r>
+                      <a:endParaRPr lang="en-US" sz="1600">
+                        <a:effectLst/>
+                        <a:latin typeface="Calibri" panose="020F0502020204030204" pitchFamily="34" charset="0"/>
+                        <a:ea typeface="Calibri" panose="020F0502020204030204" pitchFamily="34" charset="0"/>
+                        <a:cs typeface="Times New Roman" panose="02020603050405020304" pitchFamily="18" charset="0"/>
+                      </a:endParaRPr>
+                    </a:p>
+                  </a:txBody>
+                  <a:tcPr marL="15875" marR="15875" marT="15875" marB="15875" anchor="ctr">
+                    <a:lnL w="12700" cap="flat" cmpd="sng" algn="ctr">
+                      <a:solidFill>
+                        <a:schemeClr val="tx1"/>
+                      </a:solidFill>
+                      <a:prstDash val="solid"/>
+                      <a:round/>
+                      <a:headEnd type="none" w="med" len="med"/>
+                      <a:tailEnd type="none" w="med" len="med"/>
+                    </a:lnL>
+                    <a:lnR w="12700" cap="flat" cmpd="sng" algn="ctr">
+                      <a:solidFill>
+                        <a:schemeClr val="tx1"/>
+                      </a:solidFill>
+                      <a:prstDash val="solid"/>
+                      <a:round/>
+                      <a:headEnd type="none" w="med" len="med"/>
+                      <a:tailEnd type="none" w="med" len="med"/>
+                    </a:lnR>
+                    <a:lnT w="12700" cap="flat" cmpd="sng" algn="ctr">
+                      <a:solidFill>
+                        <a:schemeClr val="tx1"/>
+                      </a:solidFill>
+                      <a:prstDash val="solid"/>
+                      <a:round/>
+                      <a:headEnd type="none" w="med" len="med"/>
+                      <a:tailEnd type="none" w="med" len="med"/>
+                    </a:lnT>
+                    <a:lnB w="12700" cap="flat" cmpd="sng" algn="ctr">
+                      <a:solidFill>
+                        <a:schemeClr val="tx1"/>
+                      </a:solidFill>
+                      <a:prstDash val="solid"/>
+                      <a:round/>
+                      <a:headEnd type="none" w="med" len="med"/>
+                      <a:tailEnd type="none" w="med" len="med"/>
+                    </a:lnB>
+                    <a:lnTlToBr w="12700" cmpd="sng">
+                      <a:noFill/>
+                      <a:prstDash val="solid"/>
+                    </a:lnTlToBr>
+                    <a:lnBlToTr w="12700" cmpd="sng">
+                      <a:noFill/>
+                      <a:prstDash val="solid"/>
+                    </a:lnBlToTr>
+                    <a:solidFill>
+                      <a:schemeClr val="bg1"/>
+                    </a:solidFill>
+                  </a:tcPr>
+                </a:tc>
+                <a:extLst>
+                  <a:ext uri="{0D108BD9-81ED-4DB2-BD59-A6C34878D82A}">
+                    <a16:rowId xmlns:a16="http://schemas.microsoft.com/office/drawing/2014/main" val="1097778555"/>
+                  </a:ext>
+                </a:extLst>
+              </a:tr>
+              <a:tr h="307347">
+                <a:tc>
+                  <a:txBody>
+                    <a:bodyPr/>
+                    <a:lstStyle/>
+                    <a:p>
+                      <a:pPr marL="0" marR="0">
+                        <a:lnSpc>
+                          <a:spcPct val="107000"/>
+                        </a:lnSpc>
+                        <a:spcBef>
+                          <a:spcPts val="0"/>
+                        </a:spcBef>
+                        <a:spcAft>
+                          <a:spcPts val="800"/>
+                        </a:spcAft>
+                      </a:pPr>
+                      <a:r>
+                        <a:rPr lang="en-US" sz="1600">
+                          <a:effectLst/>
+                        </a:rPr>
+                        <a:t>Thursday</a:t>
+                      </a:r>
+                      <a:endParaRPr lang="en-US" sz="1600">
+                        <a:effectLst/>
+                        <a:latin typeface="Calibri" panose="020F0502020204030204" pitchFamily="34" charset="0"/>
+                        <a:ea typeface="Calibri" panose="020F0502020204030204" pitchFamily="34" charset="0"/>
+                        <a:cs typeface="Times New Roman" panose="02020603050405020304" pitchFamily="18" charset="0"/>
+                      </a:endParaRPr>
+                    </a:p>
+                  </a:txBody>
+                  <a:tcPr marL="15875" marR="15875" marT="15875" marB="15875" anchor="ctr">
+                    <a:lnL w="12700" cap="flat" cmpd="sng" algn="ctr">
+                      <a:solidFill>
+                        <a:schemeClr val="tx1"/>
+                      </a:solidFill>
+                      <a:prstDash val="solid"/>
+                      <a:round/>
+                      <a:headEnd type="none" w="med" len="med"/>
+                      <a:tailEnd type="none" w="med" len="med"/>
+                    </a:lnL>
+                    <a:lnR w="12700" cap="flat" cmpd="sng" algn="ctr">
+                      <a:solidFill>
+                        <a:schemeClr val="tx1"/>
+                      </a:solidFill>
+                      <a:prstDash val="solid"/>
+                      <a:round/>
+                      <a:headEnd type="none" w="med" len="med"/>
+                      <a:tailEnd type="none" w="med" len="med"/>
+                    </a:lnR>
+                    <a:lnT w="12700" cap="flat" cmpd="sng" algn="ctr">
+                      <a:solidFill>
+                        <a:schemeClr val="tx1"/>
+                      </a:solidFill>
+                      <a:prstDash val="solid"/>
+                      <a:round/>
+                      <a:headEnd type="none" w="med" len="med"/>
+                      <a:tailEnd type="none" w="med" len="med"/>
+                    </a:lnT>
+                    <a:lnB w="12700" cap="flat" cmpd="sng" algn="ctr">
+                      <a:solidFill>
+                        <a:schemeClr val="tx1"/>
+                      </a:solidFill>
+                      <a:prstDash val="solid"/>
+                      <a:round/>
+                      <a:headEnd type="none" w="med" len="med"/>
+                      <a:tailEnd type="none" w="med" len="med"/>
+                    </a:lnB>
+                    <a:lnTlToBr w="12700" cmpd="sng">
+                      <a:noFill/>
+                      <a:prstDash val="solid"/>
+                    </a:lnTlToBr>
+                    <a:lnBlToTr w="12700" cmpd="sng">
+                      <a:noFill/>
+                      <a:prstDash val="solid"/>
+                    </a:lnBlToTr>
+                    <a:solidFill>
+                      <a:schemeClr val="bg1"/>
+                    </a:solidFill>
+                  </a:tcPr>
+                </a:tc>
+                <a:tc>
+                  <a:txBody>
+                    <a:bodyPr/>
+                    <a:lstStyle/>
+                    <a:p>
+                      <a:pPr marL="0" marR="0">
+                        <a:lnSpc>
+                          <a:spcPct val="107000"/>
+                        </a:lnSpc>
+                        <a:spcBef>
+                          <a:spcPts val="0"/>
+                        </a:spcBef>
+                        <a:spcAft>
+                          <a:spcPts val="800"/>
+                        </a:spcAft>
+                      </a:pPr>
+                      <a:r>
+                        <a:rPr lang="en-US" sz="1600">
+                          <a:effectLst/>
+                        </a:rPr>
+                        <a:t>6 PM - 8 PM : Teams</a:t>
+                      </a:r>
+                      <a:endParaRPr lang="en-US" sz="1600">
+                        <a:effectLst/>
+                        <a:latin typeface="Calibri" panose="020F0502020204030204" pitchFamily="34" charset="0"/>
+                        <a:ea typeface="Calibri" panose="020F0502020204030204" pitchFamily="34" charset="0"/>
+                        <a:cs typeface="Times New Roman" panose="02020603050405020304" pitchFamily="18" charset="0"/>
+                      </a:endParaRPr>
+                    </a:p>
+                  </a:txBody>
+                  <a:tcPr marL="15875" marR="15875" marT="15875" marB="15875" anchor="ctr">
+                    <a:lnL w="12700" cap="flat" cmpd="sng" algn="ctr">
+                      <a:solidFill>
+                        <a:schemeClr val="tx1"/>
+                      </a:solidFill>
+                      <a:prstDash val="solid"/>
+                      <a:round/>
+                      <a:headEnd type="none" w="med" len="med"/>
+                      <a:tailEnd type="none" w="med" len="med"/>
+                    </a:lnL>
+                    <a:lnR w="12700" cap="flat" cmpd="sng" algn="ctr">
+                      <a:solidFill>
+                        <a:schemeClr val="tx1"/>
+                      </a:solidFill>
+                      <a:prstDash val="solid"/>
+                      <a:round/>
+                      <a:headEnd type="none" w="med" len="med"/>
+                      <a:tailEnd type="none" w="med" len="med"/>
+                    </a:lnR>
+                    <a:lnT w="12700" cap="flat" cmpd="sng" algn="ctr">
+                      <a:solidFill>
+                        <a:schemeClr val="tx1"/>
+                      </a:solidFill>
+                      <a:prstDash val="solid"/>
+                      <a:round/>
+                      <a:headEnd type="none" w="med" len="med"/>
+                      <a:tailEnd type="none" w="med" len="med"/>
+                    </a:lnT>
+                    <a:lnB w="12700" cap="flat" cmpd="sng" algn="ctr">
+                      <a:solidFill>
+                        <a:schemeClr val="tx1"/>
+                      </a:solidFill>
+                      <a:prstDash val="solid"/>
+                      <a:round/>
+                      <a:headEnd type="none" w="med" len="med"/>
+                      <a:tailEnd type="none" w="med" len="med"/>
+                    </a:lnB>
+                    <a:lnTlToBr w="12700" cmpd="sng">
+                      <a:noFill/>
+                      <a:prstDash val="solid"/>
+                    </a:lnTlToBr>
+                    <a:lnBlToTr w="12700" cmpd="sng">
+                      <a:noFill/>
+                      <a:prstDash val="solid"/>
+                    </a:lnBlToTr>
+                    <a:solidFill>
+                      <a:schemeClr val="bg1"/>
+                    </a:solidFill>
+                  </a:tcPr>
+                </a:tc>
+                <a:extLst>
+                  <a:ext uri="{0D108BD9-81ED-4DB2-BD59-A6C34878D82A}">
+                    <a16:rowId xmlns:a16="http://schemas.microsoft.com/office/drawing/2014/main" val="1747960062"/>
+                  </a:ext>
+                </a:extLst>
+              </a:tr>
+              <a:tr h="581669">
+                <a:tc>
+                  <a:txBody>
+                    <a:bodyPr/>
+                    <a:lstStyle/>
+                    <a:p>
+                      <a:pPr marL="0" marR="0">
+                        <a:lnSpc>
+                          <a:spcPct val="107000"/>
+                        </a:lnSpc>
+                        <a:spcBef>
+                          <a:spcPts val="0"/>
+                        </a:spcBef>
+                        <a:spcAft>
+                          <a:spcPts val="800"/>
+                        </a:spcAft>
+                      </a:pPr>
+                      <a:r>
+                        <a:rPr lang="en-US" sz="1600">
+                          <a:effectLst/>
+                        </a:rPr>
+                        <a:t>Friday</a:t>
+                      </a:r>
+                      <a:endParaRPr lang="en-US" sz="1600">
+                        <a:effectLst/>
+                        <a:latin typeface="Calibri" panose="020F0502020204030204" pitchFamily="34" charset="0"/>
+                        <a:ea typeface="Calibri" panose="020F0502020204030204" pitchFamily="34" charset="0"/>
+                        <a:cs typeface="Times New Roman" panose="02020603050405020304" pitchFamily="18" charset="0"/>
+                      </a:endParaRPr>
+                    </a:p>
+                  </a:txBody>
+                  <a:tcPr marL="15875" marR="15875" marT="15875" marB="15875" anchor="ctr">
+                    <a:lnL w="12700" cap="flat" cmpd="sng" algn="ctr">
+                      <a:solidFill>
+                        <a:schemeClr val="tx1"/>
+                      </a:solidFill>
+                      <a:prstDash val="solid"/>
+                      <a:round/>
+                      <a:headEnd type="none" w="med" len="med"/>
+                      <a:tailEnd type="none" w="med" len="med"/>
+                    </a:lnL>
+                    <a:lnR w="12700" cap="flat" cmpd="sng" algn="ctr">
+                      <a:solidFill>
+                        <a:schemeClr val="tx1"/>
+                      </a:solidFill>
+                      <a:prstDash val="solid"/>
+                      <a:round/>
+                      <a:headEnd type="none" w="med" len="med"/>
+                      <a:tailEnd type="none" w="med" len="med"/>
+                    </a:lnR>
+                    <a:lnT w="12700" cap="flat" cmpd="sng" algn="ctr">
+                      <a:solidFill>
+                        <a:schemeClr val="tx1"/>
+                      </a:solidFill>
+                      <a:prstDash val="solid"/>
+                      <a:round/>
+                      <a:headEnd type="none" w="med" len="med"/>
+                      <a:tailEnd type="none" w="med" len="med"/>
+                    </a:lnT>
+                    <a:lnB w="12700" cap="flat" cmpd="sng" algn="ctr">
+                      <a:solidFill>
+                        <a:schemeClr val="tx1"/>
+                      </a:solidFill>
+                      <a:prstDash val="solid"/>
+                      <a:round/>
+                      <a:headEnd type="none" w="med" len="med"/>
+                      <a:tailEnd type="none" w="med" len="med"/>
+                    </a:lnB>
+                    <a:lnTlToBr w="12700" cmpd="sng">
+                      <a:noFill/>
+                      <a:prstDash val="solid"/>
+                    </a:lnTlToBr>
+                    <a:lnBlToTr w="12700" cmpd="sng">
+                      <a:noFill/>
+                      <a:prstDash val="solid"/>
+                    </a:lnBlToTr>
+                    <a:solidFill>
+                      <a:schemeClr val="bg1"/>
+                    </a:solidFill>
+                  </a:tcPr>
+                </a:tc>
+                <a:tc>
+                  <a:txBody>
+                    <a:bodyPr/>
+                    <a:lstStyle/>
+                    <a:p>
+                      <a:pPr marL="0" marR="0">
+                        <a:lnSpc>
+                          <a:spcPct val="107000"/>
+                        </a:lnSpc>
+                        <a:spcBef>
+                          <a:spcPts val="0"/>
+                        </a:spcBef>
+                        <a:spcAft>
+                          <a:spcPts val="800"/>
+                        </a:spcAft>
+                      </a:pPr>
+                      <a:r>
+                        <a:rPr lang="en-US" sz="1600">
+                          <a:effectLst/>
+                        </a:rPr>
+                        <a:t>3 PM - 5 PM : CSB 120</a:t>
+                      </a:r>
+                      <a:endParaRPr lang="en-US" sz="1600">
+                        <a:effectLst/>
+                        <a:latin typeface="Calibri" panose="020F0502020204030204" pitchFamily="34" charset="0"/>
+                        <a:ea typeface="Calibri" panose="020F0502020204030204" pitchFamily="34" charset="0"/>
+                        <a:cs typeface="Times New Roman" panose="02020603050405020304" pitchFamily="18" charset="0"/>
+                      </a:endParaRPr>
+                    </a:p>
+                  </a:txBody>
+                  <a:tcPr marL="15875" marR="15875" marT="15875" marB="15875" anchor="ctr">
+                    <a:lnL w="12700" cap="flat" cmpd="sng" algn="ctr">
+                      <a:solidFill>
+                        <a:schemeClr val="tx1"/>
+                      </a:solidFill>
+                      <a:prstDash val="solid"/>
+                      <a:round/>
+                      <a:headEnd type="none" w="med" len="med"/>
+                      <a:tailEnd type="none" w="med" len="med"/>
+                    </a:lnL>
+                    <a:lnR w="12700" cap="flat" cmpd="sng" algn="ctr">
+                      <a:solidFill>
+                        <a:schemeClr val="tx1"/>
+                      </a:solidFill>
+                      <a:prstDash val="solid"/>
+                      <a:round/>
+                      <a:headEnd type="none" w="med" len="med"/>
+                      <a:tailEnd type="none" w="med" len="med"/>
+                    </a:lnR>
+                    <a:lnT w="12700" cap="flat" cmpd="sng" algn="ctr">
+                      <a:solidFill>
+                        <a:schemeClr val="tx1"/>
+                      </a:solidFill>
+                      <a:prstDash val="solid"/>
+                      <a:round/>
+                      <a:headEnd type="none" w="med" len="med"/>
+                      <a:tailEnd type="none" w="med" len="med"/>
+                    </a:lnT>
+                    <a:lnB w="12700" cap="flat" cmpd="sng" algn="ctr">
+                      <a:solidFill>
+                        <a:schemeClr val="tx1"/>
+                      </a:solidFill>
+                      <a:prstDash val="solid"/>
+                      <a:round/>
+                      <a:headEnd type="none" w="med" len="med"/>
+                      <a:tailEnd type="none" w="med" len="med"/>
+                    </a:lnB>
+                    <a:lnTlToBr w="12700" cmpd="sng">
+                      <a:noFill/>
+                      <a:prstDash val="solid"/>
+                    </a:lnTlToBr>
+                    <a:lnBlToTr w="12700" cmpd="sng">
+                      <a:noFill/>
+                      <a:prstDash val="solid"/>
+                    </a:lnBlToTr>
+                    <a:solidFill>
+                      <a:schemeClr val="bg1"/>
+                    </a:solidFill>
+                  </a:tcPr>
+                </a:tc>
+                <a:extLst>
+                  <a:ext uri="{0D108BD9-81ED-4DB2-BD59-A6C34878D82A}">
+                    <a16:rowId xmlns:a16="http://schemas.microsoft.com/office/drawing/2014/main" val="1553865624"/>
+                  </a:ext>
+                </a:extLst>
+              </a:tr>
+              <a:tr h="307347">
+                <a:tc>
+                  <a:txBody>
+                    <a:bodyPr/>
+                    <a:lstStyle/>
+                    <a:p>
+                      <a:pPr marL="0" marR="0">
+                        <a:lnSpc>
+                          <a:spcPct val="107000"/>
+                        </a:lnSpc>
+                        <a:spcBef>
+                          <a:spcPts val="0"/>
+                        </a:spcBef>
+                        <a:spcAft>
+                          <a:spcPts val="800"/>
+                        </a:spcAft>
+                      </a:pPr>
+                      <a:r>
+                        <a:rPr lang="en-US" sz="1600">
+                          <a:effectLst/>
+                        </a:rPr>
+                        <a:t>Saturday</a:t>
+                      </a:r>
+                      <a:endParaRPr lang="en-US" sz="1600">
+                        <a:effectLst/>
+                        <a:latin typeface="Calibri" panose="020F0502020204030204" pitchFamily="34" charset="0"/>
+                        <a:ea typeface="Calibri" panose="020F0502020204030204" pitchFamily="34" charset="0"/>
+                        <a:cs typeface="Times New Roman" panose="02020603050405020304" pitchFamily="18" charset="0"/>
+                      </a:endParaRPr>
+                    </a:p>
+                  </a:txBody>
+                  <a:tcPr marL="15875" marR="15875" marT="15875" marB="15875" anchor="ctr">
+                    <a:lnL w="12700" cap="flat" cmpd="sng" algn="ctr">
+                      <a:solidFill>
+                        <a:schemeClr val="tx1"/>
+                      </a:solidFill>
+                      <a:prstDash val="solid"/>
+                      <a:round/>
+                      <a:headEnd type="none" w="med" len="med"/>
+                      <a:tailEnd type="none" w="med" len="med"/>
+                    </a:lnL>
+                    <a:lnR w="12700" cap="flat" cmpd="sng" algn="ctr">
+                      <a:solidFill>
+                        <a:schemeClr val="tx1"/>
+                      </a:solidFill>
+                      <a:prstDash val="solid"/>
+                      <a:round/>
+                      <a:headEnd type="none" w="med" len="med"/>
+                      <a:tailEnd type="none" w="med" len="med"/>
+                    </a:lnR>
+                    <a:lnT w="12700" cap="flat" cmpd="sng" algn="ctr">
+                      <a:solidFill>
+                        <a:schemeClr val="tx1"/>
+                      </a:solidFill>
+                      <a:prstDash val="solid"/>
+                      <a:round/>
+                      <a:headEnd type="none" w="med" len="med"/>
+                      <a:tailEnd type="none" w="med" len="med"/>
+                    </a:lnT>
+                    <a:lnB w="12700" cap="flat" cmpd="sng" algn="ctr">
+                      <a:solidFill>
+                        <a:schemeClr val="tx1"/>
+                      </a:solidFill>
+                      <a:prstDash val="solid"/>
+                      <a:round/>
+                      <a:headEnd type="none" w="med" len="med"/>
+                      <a:tailEnd type="none" w="med" len="med"/>
+                    </a:lnB>
+                    <a:lnTlToBr w="12700" cmpd="sng">
+                      <a:noFill/>
+                      <a:prstDash val="solid"/>
+                    </a:lnTlToBr>
+                    <a:lnBlToTr w="12700" cmpd="sng">
+                      <a:noFill/>
+                      <a:prstDash val="solid"/>
+                    </a:lnBlToTr>
+                    <a:solidFill>
+                      <a:schemeClr val="bg1"/>
+                    </a:solidFill>
+                  </a:tcPr>
+                </a:tc>
+                <a:tc>
+                  <a:txBody>
+                    <a:bodyPr/>
+                    <a:lstStyle/>
+                    <a:p>
+                      <a:pPr marL="0" marR="0">
+                        <a:lnSpc>
+                          <a:spcPct val="107000"/>
+                        </a:lnSpc>
+                        <a:spcBef>
+                          <a:spcPts val="0"/>
+                        </a:spcBef>
+                        <a:spcAft>
+                          <a:spcPts val="800"/>
+                        </a:spcAft>
+                      </a:pPr>
+                      <a:r>
+                        <a:rPr lang="en-US" sz="1600" dirty="0">
+                          <a:effectLst/>
+                        </a:rPr>
+                        <a:t>12 PM - 4 PM : Teams</a:t>
+                      </a:r>
+                      <a:endParaRPr lang="en-US" sz="1600" dirty="0">
+                        <a:effectLst/>
+                        <a:latin typeface="Calibri" panose="020F0502020204030204" pitchFamily="34" charset="0"/>
+                        <a:ea typeface="Calibri" panose="020F0502020204030204" pitchFamily="34" charset="0"/>
+                        <a:cs typeface="Times New Roman" panose="02020603050405020304" pitchFamily="18" charset="0"/>
+                      </a:endParaRPr>
+                    </a:p>
+                  </a:txBody>
+                  <a:tcPr marL="15875" marR="15875" marT="15875" marB="15875" anchor="ctr">
+                    <a:lnL w="12700" cap="flat" cmpd="sng" algn="ctr">
+                      <a:solidFill>
+                        <a:schemeClr val="tx1"/>
+                      </a:solidFill>
+                      <a:prstDash val="solid"/>
+                      <a:round/>
+                      <a:headEnd type="none" w="med" len="med"/>
+                      <a:tailEnd type="none" w="med" len="med"/>
+                    </a:lnL>
+                    <a:lnR w="12700" cap="flat" cmpd="sng" algn="ctr">
+                      <a:solidFill>
+                        <a:schemeClr val="tx1"/>
+                      </a:solidFill>
+                      <a:prstDash val="solid"/>
+                      <a:round/>
+                      <a:headEnd type="none" w="med" len="med"/>
+                      <a:tailEnd type="none" w="med" len="med"/>
+                    </a:lnR>
+                    <a:lnT w="12700" cap="flat" cmpd="sng" algn="ctr">
+                      <a:solidFill>
+                        <a:schemeClr val="tx1"/>
+                      </a:solidFill>
+                      <a:prstDash val="solid"/>
+                      <a:round/>
+                      <a:headEnd type="none" w="med" len="med"/>
+                      <a:tailEnd type="none" w="med" len="med"/>
+                    </a:lnT>
+                    <a:lnB w="12700" cap="flat" cmpd="sng" algn="ctr">
+                      <a:solidFill>
+                        <a:schemeClr val="tx1"/>
+                      </a:solidFill>
+                      <a:prstDash val="solid"/>
+                      <a:round/>
+                      <a:headEnd type="none" w="med" len="med"/>
+                      <a:tailEnd type="none" w="med" len="med"/>
+                    </a:lnB>
+                    <a:lnTlToBr w="12700" cmpd="sng">
+                      <a:noFill/>
+                      <a:prstDash val="solid"/>
+                    </a:lnTlToBr>
+                    <a:lnBlToTr w="12700" cmpd="sng">
+                      <a:noFill/>
+                      <a:prstDash val="solid"/>
+                    </a:lnBlToTr>
+                    <a:solidFill>
+                      <a:schemeClr val="bg1"/>
+                    </a:solidFill>
+                  </a:tcPr>
+                </a:tc>
+                <a:extLst>
+                  <a:ext uri="{0D108BD9-81ED-4DB2-BD59-A6C34878D82A}">
+                    <a16:rowId xmlns:a16="http://schemas.microsoft.com/office/drawing/2014/main" val="3921746368"/>
+                  </a:ext>
+                </a:extLst>
+              </a:tr>
+              <a:tr h="307347">
+                <a:tc>
+                  <a:txBody>
+                    <a:bodyPr/>
+                    <a:lstStyle/>
+                    <a:p>
+                      <a:pPr marL="0" marR="0">
+                        <a:lnSpc>
+                          <a:spcPct val="107000"/>
+                        </a:lnSpc>
+                        <a:spcBef>
+                          <a:spcPts val="0"/>
+                        </a:spcBef>
+                        <a:spcAft>
+                          <a:spcPts val="800"/>
+                        </a:spcAft>
+                      </a:pPr>
+                      <a:r>
+                        <a:rPr lang="en-US" sz="1600">
+                          <a:effectLst/>
+                        </a:rPr>
+                        <a:t>Sunday</a:t>
+                      </a:r>
+                      <a:endParaRPr lang="en-US" sz="1600">
+                        <a:effectLst/>
+                        <a:latin typeface="Calibri" panose="020F0502020204030204" pitchFamily="34" charset="0"/>
+                        <a:ea typeface="Calibri" panose="020F0502020204030204" pitchFamily="34" charset="0"/>
+                        <a:cs typeface="Times New Roman" panose="02020603050405020304" pitchFamily="18" charset="0"/>
+                      </a:endParaRPr>
+                    </a:p>
+                  </a:txBody>
+                  <a:tcPr marL="15875" marR="15875" marT="15875" marB="15875" anchor="ctr">
+                    <a:lnL w="12700" cap="flat" cmpd="sng" algn="ctr">
+                      <a:solidFill>
+                        <a:schemeClr val="tx1"/>
+                      </a:solidFill>
+                      <a:prstDash val="solid"/>
+                      <a:round/>
+                      <a:headEnd type="none" w="med" len="med"/>
+                      <a:tailEnd type="none" w="med" len="med"/>
+                    </a:lnL>
+                    <a:lnR w="12700" cap="flat" cmpd="sng" algn="ctr">
+                      <a:solidFill>
+                        <a:schemeClr val="tx1"/>
+                      </a:solidFill>
+                      <a:prstDash val="solid"/>
+                      <a:round/>
+                      <a:headEnd type="none" w="med" len="med"/>
+                      <a:tailEnd type="none" w="med" len="med"/>
+                    </a:lnR>
+                    <a:lnT w="12700" cap="flat" cmpd="sng" algn="ctr">
+                      <a:solidFill>
+                        <a:schemeClr val="tx1"/>
+                      </a:solidFill>
+                      <a:prstDash val="solid"/>
+                      <a:round/>
+                      <a:headEnd type="none" w="med" len="med"/>
+                      <a:tailEnd type="none" w="med" len="med"/>
+                    </a:lnT>
+                    <a:lnB w="12700" cap="flat" cmpd="sng" algn="ctr">
+                      <a:solidFill>
+                        <a:schemeClr val="tx1"/>
+                      </a:solidFill>
+                      <a:prstDash val="solid"/>
+                      <a:round/>
+                      <a:headEnd type="none" w="med" len="med"/>
+                      <a:tailEnd type="none" w="med" len="med"/>
+                    </a:lnB>
+                    <a:lnTlToBr w="12700" cmpd="sng">
+                      <a:noFill/>
+                      <a:prstDash val="solid"/>
+                    </a:lnTlToBr>
+                    <a:lnBlToTr w="12700" cmpd="sng">
+                      <a:noFill/>
+                      <a:prstDash val="solid"/>
+                    </a:lnBlToTr>
+                    <a:solidFill>
+                      <a:schemeClr val="bg1"/>
+                    </a:solidFill>
+                  </a:tcPr>
+                </a:tc>
+                <a:tc>
+                  <a:txBody>
+                    <a:bodyPr/>
+                    <a:lstStyle/>
+                    <a:p>
+                      <a:pPr marL="0" marR="0">
+                        <a:lnSpc>
+                          <a:spcPct val="107000"/>
+                        </a:lnSpc>
+                        <a:spcBef>
+                          <a:spcPts val="0"/>
+                        </a:spcBef>
+                        <a:spcAft>
+                          <a:spcPts val="800"/>
+                        </a:spcAft>
+                      </a:pPr>
+                      <a:r>
+                        <a:rPr lang="en-US" sz="1600" dirty="0">
+                          <a:effectLst/>
+                        </a:rPr>
+                        <a:t>12 PM - 4 PM : Teams</a:t>
+                      </a:r>
+                      <a:endParaRPr lang="en-US" sz="1600" dirty="0">
+                        <a:effectLst/>
+                        <a:latin typeface="Calibri" panose="020F0502020204030204" pitchFamily="34" charset="0"/>
+                        <a:ea typeface="Calibri" panose="020F0502020204030204" pitchFamily="34" charset="0"/>
+                        <a:cs typeface="Times New Roman" panose="02020603050405020304" pitchFamily="18" charset="0"/>
+                      </a:endParaRPr>
+                    </a:p>
+                  </a:txBody>
+                  <a:tcPr marL="15875" marR="15875" marT="15875" marB="15875" anchor="ctr">
+                    <a:lnL w="12700" cap="flat" cmpd="sng" algn="ctr">
+                      <a:solidFill>
+                        <a:schemeClr val="tx1"/>
+                      </a:solidFill>
+                      <a:prstDash val="solid"/>
+                      <a:round/>
+                      <a:headEnd type="none" w="med" len="med"/>
+                      <a:tailEnd type="none" w="med" len="med"/>
+                    </a:lnL>
+                    <a:lnR w="12700" cap="flat" cmpd="sng" algn="ctr">
+                      <a:solidFill>
+                        <a:schemeClr val="tx1"/>
+                      </a:solidFill>
+                      <a:prstDash val="solid"/>
+                      <a:round/>
+                      <a:headEnd type="none" w="med" len="med"/>
+                      <a:tailEnd type="none" w="med" len="med"/>
+                    </a:lnR>
+                    <a:lnT w="12700" cap="flat" cmpd="sng" algn="ctr">
+                      <a:solidFill>
+                        <a:schemeClr val="tx1"/>
+                      </a:solidFill>
+                      <a:prstDash val="solid"/>
+                      <a:round/>
+                      <a:headEnd type="none" w="med" len="med"/>
+                      <a:tailEnd type="none" w="med" len="med"/>
+                    </a:lnT>
+                    <a:lnB w="12700" cap="flat" cmpd="sng" algn="ctr">
+                      <a:solidFill>
+                        <a:schemeClr val="tx1"/>
+                      </a:solidFill>
+                      <a:prstDash val="solid"/>
+                      <a:round/>
+                      <a:headEnd type="none" w="med" len="med"/>
+                      <a:tailEnd type="none" w="med" len="med"/>
+                    </a:lnB>
+                    <a:lnTlToBr w="12700" cmpd="sng">
+                      <a:noFill/>
+                      <a:prstDash val="solid"/>
+                    </a:lnTlToBr>
+                    <a:lnBlToTr w="12700" cmpd="sng">
+                      <a:noFill/>
+                      <a:prstDash val="solid"/>
+                    </a:lnBlToTr>
+                    <a:solidFill>
+                      <a:schemeClr val="bg1"/>
+                    </a:solidFill>
+                  </a:tcPr>
+                </a:tc>
+                <a:extLst>
+                  <a:ext uri="{0D108BD9-81ED-4DB2-BD59-A6C34878D82A}">
+                    <a16:rowId xmlns:a16="http://schemas.microsoft.com/office/drawing/2014/main" val="1928039740"/>
+                  </a:ext>
+                </a:extLst>
+              </a:tr>
+            </a:tbl>
+          </a:graphicData>
+        </a:graphic>
+      </p:graphicFrame>
     </p:spTree>
     <p:extLst>
       <p:ext uri="{BB962C8B-B14F-4D97-AF65-F5344CB8AC3E}">
@@ -12936,15 +13841,7 @@
             <a:pPr lvl="1"/>
             <a:r>
               <a:rPr lang="en-US" sz="1800" dirty="0"/>
-              <a:t>notice no </a:t>
-            </a:r>
-            <a:r>
-              <a:rPr lang="en-US" sz="1800" dirty="0" err="1"/>
-              <a:t>parentesis</a:t>
-            </a:r>
-            <a:r>
-              <a:rPr lang="en-US" sz="1800" dirty="0"/>
-              <a:t>, command, not a method</a:t>
+              <a:t>notice no parenthesis, command, not a method</a:t>
             </a:r>
           </a:p>
           <a:p>
@@ -15277,14 +16174,6 @@
 </file>
 
 <file path=customXml/item1.xml><?xml version="1.0" encoding="utf-8"?>
-<p:properties xmlns:p="http://schemas.microsoft.com/office/2006/metadata/properties" xmlns:xsi="http://www.w3.org/2001/XMLSchema-instance" xmlns:pc="http://schemas.microsoft.com/office/infopath/2007/PartnerControls">
-  <documentManagement>
-    <_activity xmlns="92c41bee-f0ee-4aa6-9399-a35fbb883510" xsi:nil="true"/>
-  </documentManagement>
-</p:properties>
-</file>
-
-<file path=customXml/item2.xml><?xml version="1.0" encoding="utf-8"?>
 <?mso-contentType ?>
 <FormTemplates xmlns="http://schemas.microsoft.com/sharepoint/v3/contenttype/forms">
   <Display>DocumentLibraryForm</Display>
@@ -15293,7 +16182,7 @@
 </FormTemplates>
 </file>
 
-<file path=customXml/item3.xml><?xml version="1.0" encoding="utf-8"?>
+<file path=customXml/item2.xml><?xml version="1.0" encoding="utf-8"?>
 <ct:contentTypeSchema xmlns:ct="http://schemas.microsoft.com/office/2006/metadata/contentType" xmlns:ma="http://schemas.microsoft.com/office/2006/metadata/properties/metaAttributes" ct:_="" ma:_="" ma:contentTypeName="Document" ma:contentTypeID="0x010100074387D78AC76C4289401EF66FB51FCC" ma:contentTypeVersion="15" ma:contentTypeDescription="Create a new document." ma:contentTypeScope="" ma:versionID="d3659bec8b8330148a03d82a9d99f412">
   <xsd:schema xmlns:xsd="http://www.w3.org/2001/XMLSchema" xmlns:xs="http://www.w3.org/2001/XMLSchema" xmlns:p="http://schemas.microsoft.com/office/2006/metadata/properties" xmlns:ns3="92c41bee-f0ee-4aa6-9399-a35fbb883510" xmlns:ns4="e06ed288-fd75-4b50-bbed-f5a5df88c31c" targetNamespace="http://schemas.microsoft.com/office/2006/metadata/properties" ma:root="true" ma:fieldsID="1a21d371127b63848c9a2290f5945250" ns3:_="" ns4:_="">
     <xsd:import namespace="92c41bee-f0ee-4aa6-9399-a35fbb883510"/>
@@ -15528,24 +16417,15 @@
 </ct:contentTypeSchema>
 </file>
 
-<file path=customXml/itemProps1.xml><?xml version="1.0" encoding="utf-8"?>
-<ds:datastoreItem xmlns:ds="http://schemas.openxmlformats.org/officeDocument/2006/customXml" ds:itemID="{D8AC291D-993A-4A3D-A5B6-D3FDA2A7A5A6}">
-  <ds:schemaRefs>
-    <ds:schemaRef ds:uri="http://purl.org/dc/elements/1.1/"/>
-    <ds:schemaRef ds:uri="http://schemas.microsoft.com/office/infopath/2007/PartnerControls"/>
-    <ds:schemaRef ds:uri="http://schemas.microsoft.com/office/2006/documentManagement/types"/>
-    <ds:schemaRef ds:uri="http://schemas.microsoft.com/office/2006/metadata/properties"/>
-    <ds:schemaRef ds:uri="http://schemas.openxmlformats.org/package/2006/metadata/core-properties"/>
-    <ds:schemaRef ds:uri="http://purl.org/dc/terms/"/>
-    <ds:schemaRef ds:uri="http://www.w3.org/XML/1998/namespace"/>
-    <ds:schemaRef ds:uri="e06ed288-fd75-4b50-bbed-f5a5df88c31c"/>
-    <ds:schemaRef ds:uri="92c41bee-f0ee-4aa6-9399-a35fbb883510"/>
-    <ds:schemaRef ds:uri="http://purl.org/dc/dcmitype/"/>
-  </ds:schemaRefs>
-</ds:datastoreItem>
+<file path=customXml/item3.xml><?xml version="1.0" encoding="utf-8"?>
+<p:properties xmlns:p="http://schemas.microsoft.com/office/2006/metadata/properties" xmlns:xsi="http://www.w3.org/2001/XMLSchema-instance" xmlns:pc="http://schemas.microsoft.com/office/infopath/2007/PartnerControls">
+  <documentManagement>
+    <_activity xmlns="92c41bee-f0ee-4aa6-9399-a35fbb883510" xsi:nil="true"/>
+  </documentManagement>
+</p:properties>
 </file>
 
-<file path=customXml/itemProps2.xml><?xml version="1.0" encoding="utf-8"?>
+<file path=customXml/itemProps1.xml><?xml version="1.0" encoding="utf-8"?>
 <ds:datastoreItem xmlns:ds="http://schemas.openxmlformats.org/officeDocument/2006/customXml" ds:itemID="{5381E752-3417-4C64-BDA9-89478EE6A1E8}">
   <ds:schemaRefs>
     <ds:schemaRef ds:uri="http://schemas.microsoft.com/sharepoint/v3/contenttype/forms"/>
@@ -15553,7 +16433,7 @@
 </ds:datastoreItem>
 </file>
 
-<file path=customXml/itemProps3.xml><?xml version="1.0" encoding="utf-8"?>
+<file path=customXml/itemProps2.xml><?xml version="1.0" encoding="utf-8"?>
 <ds:datastoreItem xmlns:ds="http://schemas.openxmlformats.org/officeDocument/2006/customXml" ds:itemID="{D2FF9F9C-9B01-4142-BBE5-544BB3636D6E}">
   <ds:schemaRefs>
     <ds:schemaRef ds:uri="http://schemas.microsoft.com/office/2006/metadata/contentType"/>
@@ -15570,4 +16450,21 @@
     <ds:schemaRef ds:uri="http://schemas.microsoft.com/internal/obd"/>
   </ds:schemaRefs>
 </ds:datastoreItem>
+</file>
+
+<file path=customXml/itemProps3.xml><?xml version="1.0" encoding="utf-8"?>
+<ds:datastoreItem xmlns:ds="http://schemas.openxmlformats.org/officeDocument/2006/customXml" ds:itemID="{D8AC291D-993A-4A3D-A5B6-D3FDA2A7A5A6}">
+  <ds:schemaRefs>
+    <ds:schemaRef ds:uri="92c41bee-f0ee-4aa6-9399-a35fbb883510"/>
+    <ds:schemaRef ds:uri="http://purl.org/dc/terms/"/>
+    <ds:schemaRef ds:uri="http://schemas.microsoft.com/office/2006/documentManagement/types"/>
+    <ds:schemaRef ds:uri="http://schemas.microsoft.com/office/2006/metadata/properties"/>
+    <ds:schemaRef ds:uri="http://schemas.microsoft.com/office/infopath/2007/PartnerControls"/>
+    <ds:schemaRef ds:uri="http://www.w3.org/XML/1998/namespace"/>
+    <ds:schemaRef ds:uri="http://purl.org/dc/dcmitype/"/>
+    <ds:schemaRef ds:uri="http://schemas.openxmlformats.org/package/2006/metadata/core-properties"/>
+    <ds:schemaRef ds:uri="e06ed288-fd75-4b50-bbed-f5a5df88c31c"/>
+    <ds:schemaRef ds:uri="http://purl.org/dc/elements/1.1/"/>
+  </ds:schemaRefs>
+</ds:datastoreItem>
 </file>
--- a/slides/On-Campus/10_03_Arrays.pptx
+++ b/slides/On-Campus/10_03_Arrays.pptx
@@ -149,12 +149,12 @@
   <pc:docChgLst>
     <pc:chgData name="Marcia Moraes" userId="c9c67e8a-58e2-4733-9a1c-5d44fec4775b" providerId="ADAL" clId="{9DDF3BC5-825B-4573-8A2B-98B3CDF3F058}"/>
     <pc:docChg chg="custSel modSld">
-      <pc:chgData name="Marcia Moraes" userId="c9c67e8a-58e2-4733-9a1c-5d44fec4775b" providerId="ADAL" clId="{9DDF3BC5-825B-4573-8A2B-98B3CDF3F058}" dt="2023-10-24T21:28:01.595" v="1"/>
+      <pc:chgData name="Marcia Moraes" userId="c9c67e8a-58e2-4733-9a1c-5d44fec4775b" providerId="ADAL" clId="{9DDF3BC5-825B-4573-8A2B-98B3CDF3F058}" dt="2023-10-26T17:27:03.361" v="2" actId="20577"/>
       <pc:docMkLst>
         <pc:docMk/>
       </pc:docMkLst>
-      <pc:sldChg chg="addSp delSp">
-        <pc:chgData name="Marcia Moraes" userId="c9c67e8a-58e2-4733-9a1c-5d44fec4775b" providerId="ADAL" clId="{9DDF3BC5-825B-4573-8A2B-98B3CDF3F058}" dt="2023-10-24T21:28:01.595" v="1"/>
+      <pc:sldChg chg="addSp delSp modSp">
+        <pc:chgData name="Marcia Moraes" userId="c9c67e8a-58e2-4733-9a1c-5d44fec4775b" providerId="ADAL" clId="{9DDF3BC5-825B-4573-8A2B-98B3CDF3F058}" dt="2023-10-26T17:27:03.361" v="2" actId="20577"/>
         <pc:sldMkLst>
           <pc:docMk/>
           <pc:sldMk cId="2571368551" sldId="272"/>
@@ -173,6 +173,14 @@
             <pc:docMk/>
             <pc:sldMk cId="2571368551" sldId="272"/>
             <ac:spMk id="7" creationId="{A2BB02FD-7468-4CA7-AE15-5E2FC69A2A00}"/>
+          </ac:spMkLst>
+        </pc:spChg>
+        <pc:spChg chg="mod">
+          <ac:chgData name="Marcia Moraes" userId="c9c67e8a-58e2-4733-9a1c-5d44fec4775b" providerId="ADAL" clId="{9DDF3BC5-825B-4573-8A2B-98B3CDF3F058}" dt="2023-10-26T17:27:03.361" v="2" actId="20577"/>
+          <ac:spMkLst>
+            <pc:docMk/>
+            <pc:sldMk cId="2571368551" sldId="272"/>
+            <ac:spMk id="11" creationId="{BDA0DBC1-29A7-4498-B9AA-9B174D0FEC3E}"/>
           </ac:spMkLst>
         </pc:spChg>
         <pc:graphicFrameChg chg="add">
@@ -280,7 +288,7 @@
           <a:p>
             <a:fld id="{4D7E51A5-B478-1E40-8CBB-0DAA8831E99D}" type="datetimeFigureOut">
               <a:rPr lang="en-US" smtClean="0"/>
-              <a:t>10/24/2023</a:t>
+              <a:t>10/26/2023</a:t>
             </a:fld>
             <a:endParaRPr lang="en-US"/>
           </a:p>
@@ -445,7 +453,7 @@
           <a:p>
             <a:fld id="{D0ED587F-861E-6740-9643-E3DDAE89B8D6}" type="datetimeFigureOut">
               <a:rPr lang="en-US" smtClean="0"/>
-              <a:t>10/24/2023</a:t>
+              <a:t>10/26/2023</a:t>
             </a:fld>
             <a:endParaRPr lang="en-US"/>
           </a:p>
@@ -9191,7 +9199,7 @@
               <a:defRPr/>
             </a:pPr>
             <a:r>
-              <a:rPr kumimoji="0" lang="en-US" sz="2600" b="0" i="0" u="none" strike="noStrike" kern="0" cap="none" spc="0" normalizeH="0" baseline="0" noProof="0" dirty="0">
+              <a:rPr kumimoji="0" lang="en-US" sz="2600" b="0" i="0" u="none" strike="noStrike" kern="0" cap="none" spc="0" normalizeH="0" baseline="0" noProof="0">
                 <a:ln>
                   <a:noFill/>
                 </a:ln>
@@ -9206,8 +9214,23 @@
                 <a:cs typeface="Arial"/>
                 <a:sym typeface="Arial"/>
               </a:rPr>
-              <a:t>Lab 14 – optional because of snow day</a:t>
-            </a:r>
+              <a:t>Lab 14</a:t>
+            </a:r>
+            <a:endParaRPr kumimoji="0" lang="en-US" sz="2600" b="0" i="0" u="none" strike="noStrike" kern="0" cap="none" spc="0" normalizeH="0" baseline="0" noProof="0" dirty="0">
+              <a:ln>
+                <a:noFill/>
+              </a:ln>
+              <a:solidFill>
+                <a:srgbClr val="000000"/>
+              </a:solidFill>
+              <a:effectLst/>
+              <a:uLnTx/>
+              <a:uFillTx/>
+              <a:latin typeface="Arial"/>
+              <a:ea typeface="+mn-ea"/>
+              <a:cs typeface="Arial"/>
+              <a:sym typeface="Arial"/>
+            </a:endParaRPr>
           </a:p>
           <a:p>
             <a:pPr marL="431797" indent="-431797" defTabSz="1381750">
@@ -16174,15 +16197,6 @@
 </file>
 
 <file path=customXml/item1.xml><?xml version="1.0" encoding="utf-8"?>
-<?mso-contentType ?>
-<FormTemplates xmlns="http://schemas.microsoft.com/sharepoint/v3/contenttype/forms">
-  <Display>DocumentLibraryForm</Display>
-  <Edit>DocumentLibraryForm</Edit>
-  <New>DocumentLibraryForm</New>
-</FormTemplates>
-</file>
-
-<file path=customXml/item2.xml><?xml version="1.0" encoding="utf-8"?>
 <ct:contentTypeSchema xmlns:ct="http://schemas.microsoft.com/office/2006/metadata/contentType" xmlns:ma="http://schemas.microsoft.com/office/2006/metadata/properties/metaAttributes" ct:_="" ma:_="" ma:contentTypeName="Document" ma:contentTypeID="0x010100074387D78AC76C4289401EF66FB51FCC" ma:contentTypeVersion="15" ma:contentTypeDescription="Create a new document." ma:contentTypeScope="" ma:versionID="d3659bec8b8330148a03d82a9d99f412">
   <xsd:schema xmlns:xsd="http://www.w3.org/2001/XMLSchema" xmlns:xs="http://www.w3.org/2001/XMLSchema" xmlns:p="http://schemas.microsoft.com/office/2006/metadata/properties" xmlns:ns3="92c41bee-f0ee-4aa6-9399-a35fbb883510" xmlns:ns4="e06ed288-fd75-4b50-bbed-f5a5df88c31c" targetNamespace="http://schemas.microsoft.com/office/2006/metadata/properties" ma:root="true" ma:fieldsID="1a21d371127b63848c9a2290f5945250" ns3:_="" ns4:_="">
     <xsd:import namespace="92c41bee-f0ee-4aa6-9399-a35fbb883510"/>
@@ -16417,6 +16431,15 @@
 </ct:contentTypeSchema>
 </file>
 
+<file path=customXml/item2.xml><?xml version="1.0" encoding="utf-8"?>
+<?mso-contentType ?>
+<FormTemplates xmlns="http://schemas.microsoft.com/sharepoint/v3/contenttype/forms">
+  <Display>DocumentLibraryForm</Display>
+  <Edit>DocumentLibraryForm</Edit>
+  <New>DocumentLibraryForm</New>
+</FormTemplates>
+</file>
+
 <file path=customXml/item3.xml><?xml version="1.0" encoding="utf-8"?>
 <p:properties xmlns:p="http://schemas.microsoft.com/office/2006/metadata/properties" xmlns:xsi="http://www.w3.org/2001/XMLSchema-instance" xmlns:pc="http://schemas.microsoft.com/office/infopath/2007/PartnerControls">
   <documentManagement>
@@ -16426,14 +16449,6 @@
 </file>
 
 <file path=customXml/itemProps1.xml><?xml version="1.0" encoding="utf-8"?>
-<ds:datastoreItem xmlns:ds="http://schemas.openxmlformats.org/officeDocument/2006/customXml" ds:itemID="{5381E752-3417-4C64-BDA9-89478EE6A1E8}">
-  <ds:schemaRefs>
-    <ds:schemaRef ds:uri="http://schemas.microsoft.com/sharepoint/v3/contenttype/forms"/>
-  </ds:schemaRefs>
-</ds:datastoreItem>
-</file>
-
-<file path=customXml/itemProps2.xml><?xml version="1.0" encoding="utf-8"?>
 <ds:datastoreItem xmlns:ds="http://schemas.openxmlformats.org/officeDocument/2006/customXml" ds:itemID="{D2FF9F9C-9B01-4142-BBE5-544BB3636D6E}">
   <ds:schemaRefs>
     <ds:schemaRef ds:uri="http://schemas.microsoft.com/office/2006/metadata/contentType"/>
@@ -16452,19 +16467,27 @@
 </ds:datastoreItem>
 </file>
 
+<file path=customXml/itemProps2.xml><?xml version="1.0" encoding="utf-8"?>
+<ds:datastoreItem xmlns:ds="http://schemas.openxmlformats.org/officeDocument/2006/customXml" ds:itemID="{5381E752-3417-4C64-BDA9-89478EE6A1E8}">
+  <ds:schemaRefs>
+    <ds:schemaRef ds:uri="http://schemas.microsoft.com/sharepoint/v3/contenttype/forms"/>
+  </ds:schemaRefs>
+</ds:datastoreItem>
+</file>
+
 <file path=customXml/itemProps3.xml><?xml version="1.0" encoding="utf-8"?>
 <ds:datastoreItem xmlns:ds="http://schemas.openxmlformats.org/officeDocument/2006/customXml" ds:itemID="{D8AC291D-993A-4A3D-A5B6-D3FDA2A7A5A6}">
   <ds:schemaRefs>
+    <ds:schemaRef ds:uri="http://schemas.openxmlformats.org/package/2006/metadata/core-properties"/>
+    <ds:schemaRef ds:uri="http://schemas.microsoft.com/office/infopath/2007/PartnerControls"/>
+    <ds:schemaRef ds:uri="http://purl.org/dc/dcmitype/"/>
+    <ds:schemaRef ds:uri="http://purl.org/dc/terms/"/>
+    <ds:schemaRef ds:uri="e06ed288-fd75-4b50-bbed-f5a5df88c31c"/>
+    <ds:schemaRef ds:uri="http://www.w3.org/XML/1998/namespace"/>
+    <ds:schemaRef ds:uri="http://purl.org/dc/elements/1.1/"/>
+    <ds:schemaRef ds:uri="http://schemas.microsoft.com/office/2006/documentManagement/types"/>
     <ds:schemaRef ds:uri="92c41bee-f0ee-4aa6-9399-a35fbb883510"/>
-    <ds:schemaRef ds:uri="http://purl.org/dc/terms/"/>
-    <ds:schemaRef ds:uri="http://schemas.microsoft.com/office/2006/documentManagement/types"/>
     <ds:schemaRef ds:uri="http://schemas.microsoft.com/office/2006/metadata/properties"/>
-    <ds:schemaRef ds:uri="http://schemas.microsoft.com/office/infopath/2007/PartnerControls"/>
-    <ds:schemaRef ds:uri="http://www.w3.org/XML/1998/namespace"/>
-    <ds:schemaRef ds:uri="http://purl.org/dc/dcmitype/"/>
-    <ds:schemaRef ds:uri="http://schemas.openxmlformats.org/package/2006/metadata/core-properties"/>
-    <ds:schemaRef ds:uri="e06ed288-fd75-4b50-bbed-f5a5df88c31c"/>
-    <ds:schemaRef ds:uri="http://purl.org/dc/elements/1.1/"/>
   </ds:schemaRefs>
 </ds:datastoreItem>
 </file>
--- a/slides/On-Campus/10_03_Arrays.pptx
+++ b/slides/On-Campus/10_03_Arrays.pptx
@@ -148,43 +148,22 @@
 <pc:chgInfo xmlns:a="http://schemas.openxmlformats.org/drawingml/2006/main" xmlns:r="http://schemas.openxmlformats.org/officeDocument/2006/relationships" xmlns:ac="http://schemas.microsoft.com/office/drawing/2013/main/command" xmlns:pc="http://schemas.microsoft.com/office/powerpoint/2013/main/command">
   <pc:docChgLst>
     <pc:chgData name="Marcia Moraes" userId="c9c67e8a-58e2-4733-9a1c-5d44fec4775b" providerId="ADAL" clId="{9DDF3BC5-825B-4573-8A2B-98B3CDF3F058}"/>
-    <pc:docChg chg="custSel modSld">
-      <pc:chgData name="Marcia Moraes" userId="c9c67e8a-58e2-4733-9a1c-5d44fec4775b" providerId="ADAL" clId="{9DDF3BC5-825B-4573-8A2B-98B3CDF3F058}" dt="2023-10-26T17:27:03.361" v="2" actId="20577"/>
+  </pc:docChgLst>
+  <pc:docChgLst>
+    <pc:chgData name="Marcia Moraes" userId="c9c67e8a-58e2-4733-9a1c-5d44fec4775b" providerId="ADAL" clId="{5A13BC4C-344C-47A3-AD5D-6303CA5B0A29}"/>
+    <pc:docChg chg="modSld">
+      <pc:chgData name="Marcia Moraes" userId="c9c67e8a-58e2-4733-9a1c-5d44fec4775b" providerId="ADAL" clId="{5A13BC4C-344C-47A3-AD5D-6303CA5B0A29}" dt="2024-03-07T20:12:21.170" v="2" actId="20577"/>
       <pc:docMkLst>
         <pc:docMk/>
       </pc:docMkLst>
-      <pc:sldChg chg="addSp delSp modSp">
-        <pc:chgData name="Marcia Moraes" userId="c9c67e8a-58e2-4733-9a1c-5d44fec4775b" providerId="ADAL" clId="{9DDF3BC5-825B-4573-8A2B-98B3CDF3F058}" dt="2023-10-26T17:27:03.361" v="2" actId="20577"/>
+      <pc:sldChg chg="modSp">
+        <pc:chgData name="Marcia Moraes" userId="c9c67e8a-58e2-4733-9a1c-5d44fec4775b" providerId="ADAL" clId="{5A13BC4C-344C-47A3-AD5D-6303CA5B0A29}" dt="2024-03-07T20:12:21.170" v="2" actId="20577"/>
         <pc:sldMkLst>
           <pc:docMk/>
           <pc:sldMk cId="2571368551" sldId="272"/>
         </pc:sldMkLst>
-        <pc:spChg chg="del">
-          <ac:chgData name="Marcia Moraes" userId="c9c67e8a-58e2-4733-9a1c-5d44fec4775b" providerId="ADAL" clId="{9DDF3BC5-825B-4573-8A2B-98B3CDF3F058}" dt="2023-10-24T21:27:22.441" v="0" actId="478"/>
-          <ac:spMkLst>
-            <pc:docMk/>
-            <pc:sldMk cId="2571368551" sldId="272"/>
-            <ac:spMk id="5" creationId="{1E54CBCD-3447-4F03-970A-F1628F46BEF2}"/>
-          </ac:spMkLst>
-        </pc:spChg>
-        <pc:spChg chg="add">
-          <ac:chgData name="Marcia Moraes" userId="c9c67e8a-58e2-4733-9a1c-5d44fec4775b" providerId="ADAL" clId="{9DDF3BC5-825B-4573-8A2B-98B3CDF3F058}" dt="2023-10-24T21:28:01.595" v="1"/>
-          <ac:spMkLst>
-            <pc:docMk/>
-            <pc:sldMk cId="2571368551" sldId="272"/>
-            <ac:spMk id="7" creationId="{A2BB02FD-7468-4CA7-AE15-5E2FC69A2A00}"/>
-          </ac:spMkLst>
-        </pc:spChg>
-        <pc:spChg chg="mod">
-          <ac:chgData name="Marcia Moraes" userId="c9c67e8a-58e2-4733-9a1c-5d44fec4775b" providerId="ADAL" clId="{9DDF3BC5-825B-4573-8A2B-98B3CDF3F058}" dt="2023-10-26T17:27:03.361" v="2" actId="20577"/>
-          <ac:spMkLst>
-            <pc:docMk/>
-            <pc:sldMk cId="2571368551" sldId="272"/>
-            <ac:spMk id="11" creationId="{BDA0DBC1-29A7-4498-B9AA-9B174D0FEC3E}"/>
-          </ac:spMkLst>
-        </pc:spChg>
-        <pc:graphicFrameChg chg="add">
-          <ac:chgData name="Marcia Moraes" userId="c9c67e8a-58e2-4733-9a1c-5d44fec4775b" providerId="ADAL" clId="{9DDF3BC5-825B-4573-8A2B-98B3CDF3F058}" dt="2023-10-24T21:28:01.595" v="1"/>
+        <pc:graphicFrameChg chg="modGraphic">
+          <ac:chgData name="Marcia Moraes" userId="c9c67e8a-58e2-4733-9a1c-5d44fec4775b" providerId="ADAL" clId="{5A13BC4C-344C-47A3-AD5D-6303CA5B0A29}" dt="2024-03-07T20:12:21.170" v="2" actId="20577"/>
           <ac:graphicFrameMkLst>
             <pc:docMk/>
             <pc:sldMk cId="2571368551" sldId="272"/>
@@ -288,7 +267,7 @@
           <a:p>
             <a:fld id="{4D7E51A5-B478-1E40-8CBB-0DAA8831E99D}" type="datetimeFigureOut">
               <a:rPr lang="en-US" smtClean="0"/>
-              <a:t>10/26/2023</a:t>
+              <a:t>3/7/2024</a:t>
             </a:fld>
             <a:endParaRPr lang="en-US"/>
           </a:p>
@@ -453,7 +432,7 @@
           <a:p>
             <a:fld id="{D0ED587F-861E-6740-9643-E3DDAE89B8D6}" type="datetimeFigureOut">
               <a:rPr lang="en-US" smtClean="0"/>
-              <a:t>10/26/2023</a:t>
+              <a:t>3/7/2024</a:t>
             </a:fld>
             <a:endParaRPr lang="en-US"/>
           </a:p>
@@ -9645,7 +9624,7 @@
           <p:nvPr>
             <p:extLst>
               <p:ext uri="{D42A27DB-BD31-4B8C-83A1-F6EECF244321}">
-                <p14:modId xmlns:p14="http://schemas.microsoft.com/office/powerpoint/2010/main" val="3095242367"/>
+                <p14:modId xmlns:p14="http://schemas.microsoft.com/office/powerpoint/2010/main" val="600477840"/>
               </p:ext>
             </p:extLst>
           </p:nvPr>
@@ -9956,7 +9935,7 @@
                         <a:rPr lang="en-US" sz="1600" dirty="0">
                           <a:effectLst/>
                         </a:rPr>
-                        <a:t>12 PM - 2 PM : CSB 120</a:t>
+                        <a:t>2 PM - 5 PM : CSB 120</a:t>
                       </a:r>
                       <a:endParaRPr lang="en-US" sz="1600" dirty="0">
                         <a:effectLst/>
@@ -16432,20 +16411,20 @@
 </file>
 
 <file path=customXml/item2.xml><?xml version="1.0" encoding="utf-8"?>
+<p:properties xmlns:p="http://schemas.microsoft.com/office/2006/metadata/properties" xmlns:xsi="http://www.w3.org/2001/XMLSchema-instance" xmlns:pc="http://schemas.microsoft.com/office/infopath/2007/PartnerControls">
+  <documentManagement>
+    <_activity xmlns="92c41bee-f0ee-4aa6-9399-a35fbb883510" xsi:nil="true"/>
+  </documentManagement>
+</p:properties>
+</file>
+
+<file path=customXml/item3.xml><?xml version="1.0" encoding="utf-8"?>
 <?mso-contentType ?>
 <FormTemplates xmlns="http://schemas.microsoft.com/sharepoint/v3/contenttype/forms">
   <Display>DocumentLibraryForm</Display>
   <Edit>DocumentLibraryForm</Edit>
   <New>DocumentLibraryForm</New>
 </FormTemplates>
-</file>
-
-<file path=customXml/item3.xml><?xml version="1.0" encoding="utf-8"?>
-<p:properties xmlns:p="http://schemas.microsoft.com/office/2006/metadata/properties" xmlns:xsi="http://www.w3.org/2001/XMLSchema-instance" xmlns:pc="http://schemas.microsoft.com/office/infopath/2007/PartnerControls">
-  <documentManagement>
-    <_activity xmlns="92c41bee-f0ee-4aa6-9399-a35fbb883510" xsi:nil="true"/>
-  </documentManagement>
-</p:properties>
 </file>
 
 <file path=customXml/itemProps1.xml><?xml version="1.0" encoding="utf-8"?>
@@ -16468,26 +16447,26 @@
 </file>
 
 <file path=customXml/itemProps2.xml><?xml version="1.0" encoding="utf-8"?>
+<ds:datastoreItem xmlns:ds="http://schemas.openxmlformats.org/officeDocument/2006/customXml" ds:itemID="{D8AC291D-993A-4A3D-A5B6-D3FDA2A7A5A6}">
+  <ds:schemaRefs>
+    <ds:schemaRef ds:uri="http://schemas.microsoft.com/office/infopath/2007/PartnerControls"/>
+    <ds:schemaRef ds:uri="http://www.w3.org/XML/1998/namespace"/>
+    <ds:schemaRef ds:uri="http://purl.org/dc/elements/1.1/"/>
+    <ds:schemaRef ds:uri="http://purl.org/dc/terms/"/>
+    <ds:schemaRef ds:uri="92c41bee-f0ee-4aa6-9399-a35fbb883510"/>
+    <ds:schemaRef ds:uri="http://purl.org/dc/dcmitype/"/>
+    <ds:schemaRef ds:uri="http://schemas.microsoft.com/office/2006/metadata/properties"/>
+    <ds:schemaRef ds:uri="http://schemas.microsoft.com/office/2006/documentManagement/types"/>
+    <ds:schemaRef ds:uri="http://schemas.openxmlformats.org/package/2006/metadata/core-properties"/>
+    <ds:schemaRef ds:uri="e06ed288-fd75-4b50-bbed-f5a5df88c31c"/>
+  </ds:schemaRefs>
+</ds:datastoreItem>
+</file>
+
+<file path=customXml/itemProps3.xml><?xml version="1.0" encoding="utf-8"?>
 <ds:datastoreItem xmlns:ds="http://schemas.openxmlformats.org/officeDocument/2006/customXml" ds:itemID="{5381E752-3417-4C64-BDA9-89478EE6A1E8}">
   <ds:schemaRefs>
     <ds:schemaRef ds:uri="http://schemas.microsoft.com/sharepoint/v3/contenttype/forms"/>
   </ds:schemaRefs>
 </ds:datastoreItem>
-</file>
-
-<file path=customXml/itemProps3.xml><?xml version="1.0" encoding="utf-8"?>
-<ds:datastoreItem xmlns:ds="http://schemas.openxmlformats.org/officeDocument/2006/customXml" ds:itemID="{D8AC291D-993A-4A3D-A5B6-D3FDA2A7A5A6}">
-  <ds:schemaRefs>
-    <ds:schemaRef ds:uri="http://schemas.openxmlformats.org/package/2006/metadata/core-properties"/>
-    <ds:schemaRef ds:uri="http://schemas.microsoft.com/office/infopath/2007/PartnerControls"/>
-    <ds:schemaRef ds:uri="http://purl.org/dc/dcmitype/"/>
-    <ds:schemaRef ds:uri="http://purl.org/dc/terms/"/>
-    <ds:schemaRef ds:uri="e06ed288-fd75-4b50-bbed-f5a5df88c31c"/>
-    <ds:schemaRef ds:uri="http://www.w3.org/XML/1998/namespace"/>
-    <ds:schemaRef ds:uri="http://purl.org/dc/elements/1.1/"/>
-    <ds:schemaRef ds:uri="http://schemas.microsoft.com/office/2006/documentManagement/types"/>
-    <ds:schemaRef ds:uri="92c41bee-f0ee-4aa6-9399-a35fbb883510"/>
-    <ds:schemaRef ds:uri="http://schemas.microsoft.com/office/2006/metadata/properties"/>
-  </ds:schemaRefs>
-</ds:datastoreItem>
 </file>